--- a/jsp/JSP_Servlet_강의_08강_Servlet 본격적으로 살펴보기-IV.pptx
+++ b/jsp/JSP_Servlet_강의_08강_Servlet 본격적으로 살펴보기-IV.pptx
@@ -214,7 +214,7 @@
             <a:fld id="{1EBA1ADC-3FB7-40DA-B2DE-355D9B030C78}" type="datetimeFigureOut">
               <a:rPr lang="ko-KR" altLang="en-US" smtClean="0"/>
               <a:pPr/>
-              <a:t>2021-11-03</a:t>
+              <a:t>2022-02-09</a:t>
             </a:fld>
             <a:endParaRPr lang="ko-KR" altLang="en-US"/>
           </a:p>
@@ -278,38 +278,37 @@
           <a:p>
             <a:pPr lvl="0"/>
             <a:r>
-              <a:rPr lang="ko-KR" altLang="en-US" smtClean="0"/>
+              <a:rPr lang="ko-KR" altLang="en-US"/>
               <a:t>마스터 텍스트 스타일을 편집합니다</a:t>
             </a:r>
           </a:p>
           <a:p>
             <a:pPr lvl="1"/>
             <a:r>
-              <a:rPr lang="ko-KR" altLang="en-US" smtClean="0"/>
+              <a:rPr lang="ko-KR" altLang="en-US"/>
               <a:t>둘째 수준</a:t>
             </a:r>
           </a:p>
           <a:p>
             <a:pPr lvl="2"/>
             <a:r>
-              <a:rPr lang="ko-KR" altLang="en-US" smtClean="0"/>
+              <a:rPr lang="ko-KR" altLang="en-US"/>
               <a:t>셋째 수준</a:t>
             </a:r>
           </a:p>
           <a:p>
             <a:pPr lvl="3"/>
             <a:r>
-              <a:rPr lang="ko-KR" altLang="en-US" smtClean="0"/>
+              <a:rPr lang="ko-KR" altLang="en-US"/>
               <a:t>넷째 수준</a:t>
             </a:r>
           </a:p>
           <a:p>
             <a:pPr lvl="4"/>
             <a:r>
-              <a:rPr lang="ko-KR" altLang="en-US" smtClean="0"/>
+              <a:rPr lang="ko-KR" altLang="en-US"/>
               <a:t>다섯째 수준</a:t>
             </a:r>
-            <a:endParaRPr lang="ko-KR" altLang="en-US"/>
           </a:p>
         </p:txBody>
       </p:sp>
@@ -525,10 +524,9 @@
           </a:lstStyle>
           <a:p>
             <a:r>
-              <a:rPr lang="ko-KR" altLang="en-US" smtClean="0"/>
+              <a:rPr lang="ko-KR" altLang="en-US"/>
               <a:t>마스터 제목 스타일 편집</a:t>
             </a:r>
-            <a:endParaRPr lang="ko-KR" altLang="en-US"/>
           </a:p>
         </p:txBody>
       </p:sp>
@@ -590,10 +588,9 @@
           </a:lstStyle>
           <a:p>
             <a:r>
-              <a:rPr lang="ko-KR" altLang="en-US" smtClean="0"/>
+              <a:rPr lang="ko-KR" altLang="en-US"/>
               <a:t>마스터 부제목 스타일 편집</a:t>
             </a:r>
-            <a:endParaRPr lang="ko-KR" altLang="en-US"/>
           </a:p>
         </p:txBody>
       </p:sp>
@@ -615,7 +612,7 @@
             <a:fld id="{245FE9EB-5882-4F14-9D7A-E43319FAAE5D}" type="datetime1">
               <a:rPr lang="ko-KR" altLang="en-US" smtClean="0"/>
               <a:pPr/>
-              <a:t>2021-11-03</a:t>
+              <a:t>2022-02-09</a:t>
             </a:fld>
             <a:endParaRPr lang="ko-KR" altLang="en-US"/>
           </a:p>
@@ -719,10 +716,9 @@
           </a:lstStyle>
           <a:p>
             <a:r>
-              <a:rPr lang="ko-KR" altLang="en-US" smtClean="0"/>
+              <a:rPr lang="ko-KR" altLang="en-US"/>
               <a:t>마스터 제목 스타일 편집</a:t>
             </a:r>
-            <a:endParaRPr lang="ko-KR" altLang="en-US"/>
           </a:p>
         </p:txBody>
       </p:sp>
@@ -846,7 +842,7 @@
           <a:p>
             <a:pPr lvl="0"/>
             <a:r>
-              <a:rPr lang="ko-KR" altLang="en-US" smtClean="0"/>
+              <a:rPr lang="ko-KR" altLang="en-US"/>
               <a:t>마스터 텍스트 스타일을 편집합니다</a:t>
             </a:r>
           </a:p>
@@ -870,7 +866,7 @@
             <a:fld id="{148E5BE4-290A-4A67-9142-8569AAC90C2F}" type="datetime1">
               <a:rPr lang="ko-KR" altLang="en-US" smtClean="0"/>
               <a:pPr/>
-              <a:t>2021-11-03</a:t>
+              <a:t>2022-02-09</a:t>
             </a:fld>
             <a:endParaRPr lang="ko-KR" altLang="en-US"/>
           </a:p>
@@ -965,10 +961,9 @@
           <a:lstStyle/>
           <a:p>
             <a:r>
-              <a:rPr lang="ko-KR" altLang="en-US" smtClean="0"/>
+              <a:rPr lang="ko-KR" altLang="en-US"/>
               <a:t>마스터 제목 스타일 편집</a:t>
             </a:r>
-            <a:endParaRPr lang="ko-KR" altLang="en-US"/>
           </a:p>
         </p:txBody>
       </p:sp>
@@ -989,38 +984,37 @@
           <a:p>
             <a:pPr lvl="0"/>
             <a:r>
-              <a:rPr lang="ko-KR" altLang="en-US" smtClean="0"/>
+              <a:rPr lang="ko-KR" altLang="en-US"/>
               <a:t>마스터 텍스트 스타일을 편집합니다</a:t>
             </a:r>
           </a:p>
           <a:p>
             <a:pPr lvl="1"/>
             <a:r>
-              <a:rPr lang="ko-KR" altLang="en-US" smtClean="0"/>
+              <a:rPr lang="ko-KR" altLang="en-US"/>
               <a:t>둘째 수준</a:t>
             </a:r>
           </a:p>
           <a:p>
             <a:pPr lvl="2"/>
             <a:r>
-              <a:rPr lang="ko-KR" altLang="en-US" smtClean="0"/>
+              <a:rPr lang="ko-KR" altLang="en-US"/>
               <a:t>셋째 수준</a:t>
             </a:r>
           </a:p>
           <a:p>
             <a:pPr lvl="3"/>
             <a:r>
-              <a:rPr lang="ko-KR" altLang="en-US" smtClean="0"/>
+              <a:rPr lang="ko-KR" altLang="en-US"/>
               <a:t>넷째 수준</a:t>
             </a:r>
           </a:p>
           <a:p>
             <a:pPr lvl="4"/>
             <a:r>
-              <a:rPr lang="ko-KR" altLang="en-US" smtClean="0"/>
+              <a:rPr lang="ko-KR" altLang="en-US"/>
               <a:t>다섯째 수준</a:t>
             </a:r>
-            <a:endParaRPr lang="ko-KR" altLang="en-US"/>
           </a:p>
         </p:txBody>
       </p:sp>
@@ -1042,7 +1036,7 @@
             <a:fld id="{AABD7AA9-974F-41EE-AA93-9A7D5FC26AF0}" type="datetime1">
               <a:rPr lang="ko-KR" altLang="en-US" smtClean="0"/>
               <a:pPr/>
-              <a:t>2021-11-03</a:t>
+              <a:t>2022-02-09</a:t>
             </a:fld>
             <a:endParaRPr lang="ko-KR" altLang="en-US"/>
           </a:p>
@@ -1142,10 +1136,9 @@
           <a:lstStyle/>
           <a:p>
             <a:r>
-              <a:rPr lang="ko-KR" altLang="en-US" smtClean="0"/>
+              <a:rPr lang="ko-KR" altLang="en-US"/>
               <a:t>마스터 제목 스타일 편집</a:t>
             </a:r>
-            <a:endParaRPr lang="ko-KR" altLang="en-US"/>
           </a:p>
         </p:txBody>
       </p:sp>
@@ -1171,38 +1164,37 @@
           <a:p>
             <a:pPr lvl="0"/>
             <a:r>
-              <a:rPr lang="ko-KR" altLang="en-US" smtClean="0"/>
+              <a:rPr lang="ko-KR" altLang="en-US"/>
               <a:t>마스터 텍스트 스타일을 편집합니다</a:t>
             </a:r>
           </a:p>
           <a:p>
             <a:pPr lvl="1"/>
             <a:r>
-              <a:rPr lang="ko-KR" altLang="en-US" smtClean="0"/>
+              <a:rPr lang="ko-KR" altLang="en-US"/>
               <a:t>둘째 수준</a:t>
             </a:r>
           </a:p>
           <a:p>
             <a:pPr lvl="2"/>
             <a:r>
-              <a:rPr lang="ko-KR" altLang="en-US" smtClean="0"/>
+              <a:rPr lang="ko-KR" altLang="en-US"/>
               <a:t>셋째 수준</a:t>
             </a:r>
           </a:p>
           <a:p>
             <a:pPr lvl="3"/>
             <a:r>
-              <a:rPr lang="ko-KR" altLang="en-US" smtClean="0"/>
+              <a:rPr lang="ko-KR" altLang="en-US"/>
               <a:t>넷째 수준</a:t>
             </a:r>
           </a:p>
           <a:p>
             <a:pPr lvl="4"/>
             <a:r>
-              <a:rPr lang="ko-KR" altLang="en-US" smtClean="0"/>
+              <a:rPr lang="ko-KR" altLang="en-US"/>
               <a:t>다섯째 수준</a:t>
             </a:r>
-            <a:endParaRPr lang="ko-KR" altLang="en-US"/>
           </a:p>
         </p:txBody>
       </p:sp>
@@ -1224,7 +1216,7 @@
             <a:fld id="{CA6778F7-13A7-47A7-A538-4854C83EAB76}" type="datetime1">
               <a:rPr lang="ko-KR" altLang="en-US" smtClean="0"/>
               <a:pPr/>
-              <a:t>2021-11-03</a:t>
+              <a:t>2022-02-09</a:t>
             </a:fld>
             <a:endParaRPr lang="ko-KR" altLang="en-US"/>
           </a:p>
@@ -1319,10 +1311,9 @@
           <a:lstStyle/>
           <a:p>
             <a:r>
-              <a:rPr lang="ko-KR" altLang="en-US" smtClean="0"/>
+              <a:rPr lang="ko-KR" altLang="en-US"/>
               <a:t>마스터 제목 스타일 편집</a:t>
             </a:r>
-            <a:endParaRPr lang="ko-KR" altLang="en-US"/>
           </a:p>
         </p:txBody>
       </p:sp>
@@ -1343,38 +1334,37 @@
           <a:p>
             <a:pPr lvl="0"/>
             <a:r>
-              <a:rPr lang="ko-KR" altLang="en-US" smtClean="0"/>
+              <a:rPr lang="ko-KR" altLang="en-US"/>
               <a:t>마스터 텍스트 스타일을 편집합니다</a:t>
             </a:r>
           </a:p>
           <a:p>
             <a:pPr lvl="1"/>
             <a:r>
-              <a:rPr lang="ko-KR" altLang="en-US" smtClean="0"/>
+              <a:rPr lang="ko-KR" altLang="en-US"/>
               <a:t>둘째 수준</a:t>
             </a:r>
           </a:p>
           <a:p>
             <a:pPr lvl="2"/>
             <a:r>
-              <a:rPr lang="ko-KR" altLang="en-US" smtClean="0"/>
+              <a:rPr lang="ko-KR" altLang="en-US"/>
               <a:t>셋째 수준</a:t>
             </a:r>
           </a:p>
           <a:p>
             <a:pPr lvl="3"/>
             <a:r>
-              <a:rPr lang="ko-KR" altLang="en-US" smtClean="0"/>
+              <a:rPr lang="ko-KR" altLang="en-US"/>
               <a:t>넷째 수준</a:t>
             </a:r>
           </a:p>
           <a:p>
             <a:pPr lvl="4"/>
             <a:r>
-              <a:rPr lang="ko-KR" altLang="en-US" smtClean="0"/>
+              <a:rPr lang="ko-KR" altLang="en-US"/>
               <a:t>다섯째 수준</a:t>
             </a:r>
-            <a:endParaRPr lang="ko-KR" altLang="en-US"/>
           </a:p>
         </p:txBody>
       </p:sp>
@@ -1396,7 +1386,7 @@
             <a:fld id="{97E9BB34-6711-40F2-9C7B-47A61743D4AD}" type="datetime1">
               <a:rPr lang="ko-KR" altLang="en-US" smtClean="0"/>
               <a:pPr/>
-              <a:t>2021-11-03</a:t>
+              <a:t>2022-02-09</a:t>
             </a:fld>
             <a:endParaRPr lang="ko-KR" altLang="en-US"/>
           </a:p>
@@ -1500,10 +1490,9 @@
           </a:lstStyle>
           <a:p>
             <a:r>
-              <a:rPr lang="ko-KR" altLang="en-US" smtClean="0"/>
+              <a:rPr lang="ko-KR" altLang="en-US"/>
               <a:t>마스터 제목 스타일 편집</a:t>
             </a:r>
-            <a:endParaRPr lang="ko-KR" altLang="en-US"/>
           </a:p>
         </p:txBody>
       </p:sp>
@@ -1620,7 +1609,7 @@
           <a:p>
             <a:pPr lvl="0"/>
             <a:r>
-              <a:rPr lang="ko-KR" altLang="en-US" smtClean="0"/>
+              <a:rPr lang="ko-KR" altLang="en-US"/>
               <a:t>마스터 텍스트 스타일을 편집합니다</a:t>
             </a:r>
           </a:p>
@@ -1644,7 +1633,7 @@
             <a:fld id="{01BE0FF5-5FAF-43AE-9E0C-CC3EA1B81862}" type="datetime1">
               <a:rPr lang="ko-KR" altLang="en-US" smtClean="0"/>
               <a:pPr/>
-              <a:t>2021-11-03</a:t>
+              <a:t>2022-02-09</a:t>
             </a:fld>
             <a:endParaRPr lang="ko-KR" altLang="en-US"/>
           </a:p>
@@ -1739,10 +1728,9 @@
           <a:lstStyle/>
           <a:p>
             <a:r>
-              <a:rPr lang="ko-KR" altLang="en-US" smtClean="0"/>
+              <a:rPr lang="ko-KR" altLang="en-US"/>
               <a:t>마스터 제목 스타일 편집</a:t>
             </a:r>
-            <a:endParaRPr lang="ko-KR" altLang="en-US"/>
           </a:p>
         </p:txBody>
       </p:sp>
@@ -1768,38 +1756,37 @@
           <a:p>
             <a:pPr lvl="0"/>
             <a:r>
-              <a:rPr lang="ko-KR" altLang="en-US" smtClean="0"/>
+              <a:rPr lang="ko-KR" altLang="en-US"/>
               <a:t>마스터 텍스트 스타일을 편집합니다</a:t>
             </a:r>
           </a:p>
           <a:p>
             <a:pPr lvl="1"/>
             <a:r>
-              <a:rPr lang="ko-KR" altLang="en-US" smtClean="0"/>
+              <a:rPr lang="ko-KR" altLang="en-US"/>
               <a:t>둘째 수준</a:t>
             </a:r>
           </a:p>
           <a:p>
             <a:pPr lvl="2"/>
             <a:r>
-              <a:rPr lang="ko-KR" altLang="en-US" smtClean="0"/>
+              <a:rPr lang="ko-KR" altLang="en-US"/>
               <a:t>셋째 수준</a:t>
             </a:r>
           </a:p>
           <a:p>
             <a:pPr lvl="3"/>
             <a:r>
-              <a:rPr lang="ko-KR" altLang="en-US" smtClean="0"/>
+              <a:rPr lang="ko-KR" altLang="en-US"/>
               <a:t>넷째 수준</a:t>
             </a:r>
           </a:p>
           <a:p>
             <a:pPr lvl="4"/>
             <a:r>
-              <a:rPr lang="ko-KR" altLang="en-US" smtClean="0"/>
+              <a:rPr lang="ko-KR" altLang="en-US"/>
               <a:t>다섯째 수준</a:t>
             </a:r>
-            <a:endParaRPr lang="ko-KR" altLang="en-US"/>
           </a:p>
         </p:txBody>
       </p:sp>
@@ -1825,38 +1812,37 @@
           <a:p>
             <a:pPr lvl="0"/>
             <a:r>
-              <a:rPr lang="ko-KR" altLang="en-US" smtClean="0"/>
+              <a:rPr lang="ko-KR" altLang="en-US"/>
               <a:t>마스터 텍스트 스타일을 편집합니다</a:t>
             </a:r>
           </a:p>
           <a:p>
             <a:pPr lvl="1"/>
             <a:r>
-              <a:rPr lang="ko-KR" altLang="en-US" smtClean="0"/>
+              <a:rPr lang="ko-KR" altLang="en-US"/>
               <a:t>둘째 수준</a:t>
             </a:r>
           </a:p>
           <a:p>
             <a:pPr lvl="2"/>
             <a:r>
-              <a:rPr lang="ko-KR" altLang="en-US" smtClean="0"/>
+              <a:rPr lang="ko-KR" altLang="en-US"/>
               <a:t>셋째 수준</a:t>
             </a:r>
           </a:p>
           <a:p>
             <a:pPr lvl="3"/>
             <a:r>
-              <a:rPr lang="ko-KR" altLang="en-US" smtClean="0"/>
+              <a:rPr lang="ko-KR" altLang="en-US"/>
               <a:t>넷째 수준</a:t>
             </a:r>
           </a:p>
           <a:p>
             <a:pPr lvl="4"/>
             <a:r>
-              <a:rPr lang="ko-KR" altLang="en-US" smtClean="0"/>
+              <a:rPr lang="ko-KR" altLang="en-US"/>
               <a:t>다섯째 수준</a:t>
             </a:r>
-            <a:endParaRPr lang="ko-KR" altLang="en-US"/>
           </a:p>
         </p:txBody>
       </p:sp>
@@ -1878,7 +1864,7 @@
             <a:fld id="{DAF9AB40-AB99-4455-AC5A-01B404C2C00C}" type="datetime1">
               <a:rPr lang="ko-KR" altLang="en-US" smtClean="0"/>
               <a:pPr/>
-              <a:t>2021-11-03</a:t>
+              <a:t>2022-02-09</a:t>
             </a:fld>
             <a:endParaRPr lang="ko-KR" altLang="en-US"/>
           </a:p>
@@ -1978,10 +1964,9 @@
           <a:lstStyle/>
           <a:p>
             <a:r>
-              <a:rPr lang="ko-KR" altLang="en-US" smtClean="0"/>
+              <a:rPr lang="ko-KR" altLang="en-US"/>
               <a:t>마스터 제목 스타일 편집</a:t>
             </a:r>
-            <a:endParaRPr lang="ko-KR" altLang="en-US"/>
           </a:p>
         </p:txBody>
       </p:sp>
@@ -2044,7 +2029,7 @@
           <a:p>
             <a:pPr lvl="0"/>
             <a:r>
-              <a:rPr lang="ko-KR" altLang="en-US" smtClean="0"/>
+              <a:rPr lang="ko-KR" altLang="en-US"/>
               <a:t>마스터 텍스트 스타일을 편집합니다</a:t>
             </a:r>
           </a:p>
@@ -2072,38 +2057,37 @@
           <a:p>
             <a:pPr lvl="0"/>
             <a:r>
-              <a:rPr lang="ko-KR" altLang="en-US" smtClean="0"/>
+              <a:rPr lang="ko-KR" altLang="en-US"/>
               <a:t>마스터 텍스트 스타일을 편집합니다</a:t>
             </a:r>
           </a:p>
           <a:p>
             <a:pPr lvl="1"/>
             <a:r>
-              <a:rPr lang="ko-KR" altLang="en-US" smtClean="0"/>
+              <a:rPr lang="ko-KR" altLang="en-US"/>
               <a:t>둘째 수준</a:t>
             </a:r>
           </a:p>
           <a:p>
             <a:pPr lvl="2"/>
             <a:r>
-              <a:rPr lang="ko-KR" altLang="en-US" smtClean="0"/>
+              <a:rPr lang="ko-KR" altLang="en-US"/>
               <a:t>셋째 수준</a:t>
             </a:r>
           </a:p>
           <a:p>
             <a:pPr lvl="3"/>
             <a:r>
-              <a:rPr lang="ko-KR" altLang="en-US" smtClean="0"/>
+              <a:rPr lang="ko-KR" altLang="en-US"/>
               <a:t>넷째 수준</a:t>
             </a:r>
           </a:p>
           <a:p>
             <a:pPr lvl="4"/>
             <a:r>
-              <a:rPr lang="ko-KR" altLang="en-US" smtClean="0"/>
+              <a:rPr lang="ko-KR" altLang="en-US"/>
               <a:t>다섯째 수준</a:t>
             </a:r>
-            <a:endParaRPr lang="ko-KR" altLang="en-US"/>
           </a:p>
         </p:txBody>
       </p:sp>
@@ -2166,7 +2150,7 @@
           <a:p>
             <a:pPr lvl="0"/>
             <a:r>
-              <a:rPr lang="ko-KR" altLang="en-US" smtClean="0"/>
+              <a:rPr lang="ko-KR" altLang="en-US"/>
               <a:t>마스터 텍스트 스타일을 편집합니다</a:t>
             </a:r>
           </a:p>
@@ -2194,38 +2178,37 @@
           <a:p>
             <a:pPr lvl="0"/>
             <a:r>
-              <a:rPr lang="ko-KR" altLang="en-US" smtClean="0"/>
+              <a:rPr lang="ko-KR" altLang="en-US"/>
               <a:t>마스터 텍스트 스타일을 편집합니다</a:t>
             </a:r>
           </a:p>
           <a:p>
             <a:pPr lvl="1"/>
             <a:r>
-              <a:rPr lang="ko-KR" altLang="en-US" smtClean="0"/>
+              <a:rPr lang="ko-KR" altLang="en-US"/>
               <a:t>둘째 수준</a:t>
             </a:r>
           </a:p>
           <a:p>
             <a:pPr lvl="2"/>
             <a:r>
-              <a:rPr lang="ko-KR" altLang="en-US" smtClean="0"/>
+              <a:rPr lang="ko-KR" altLang="en-US"/>
               <a:t>셋째 수준</a:t>
             </a:r>
           </a:p>
           <a:p>
             <a:pPr lvl="3"/>
             <a:r>
-              <a:rPr lang="ko-KR" altLang="en-US" smtClean="0"/>
+              <a:rPr lang="ko-KR" altLang="en-US"/>
               <a:t>넷째 수준</a:t>
             </a:r>
           </a:p>
           <a:p>
             <a:pPr lvl="4"/>
             <a:r>
-              <a:rPr lang="ko-KR" altLang="en-US" smtClean="0"/>
+              <a:rPr lang="ko-KR" altLang="en-US"/>
               <a:t>다섯째 수준</a:t>
             </a:r>
-            <a:endParaRPr lang="ko-KR" altLang="en-US"/>
           </a:p>
         </p:txBody>
       </p:sp>
@@ -2247,7 +2230,7 @@
             <a:fld id="{0E3C0ECE-794B-4B99-8E02-3BB1152032F2}" type="datetime1">
               <a:rPr lang="ko-KR" altLang="en-US" smtClean="0"/>
               <a:pPr/>
-              <a:t>2021-11-03</a:t>
+              <a:t>2022-02-09</a:t>
             </a:fld>
             <a:endParaRPr lang="ko-KR" altLang="en-US"/>
           </a:p>
@@ -2342,10 +2325,9 @@
           <a:lstStyle/>
           <a:p>
             <a:r>
-              <a:rPr lang="ko-KR" altLang="en-US" smtClean="0"/>
+              <a:rPr lang="ko-KR" altLang="en-US"/>
               <a:t>마스터 제목 스타일 편집</a:t>
             </a:r>
-            <a:endParaRPr lang="ko-KR" altLang="en-US"/>
           </a:p>
         </p:txBody>
       </p:sp>
@@ -2367,7 +2349,7 @@
             <a:fld id="{0F75503B-EE7A-4049-8A0E-70C0A8C6708E}" type="datetime1">
               <a:rPr lang="ko-KR" altLang="en-US" smtClean="0"/>
               <a:pPr/>
-              <a:t>2021-11-03</a:t>
+              <a:t>2022-02-09</a:t>
             </a:fld>
             <a:endParaRPr lang="ko-KR" altLang="en-US"/>
           </a:p>
@@ -2785,13 +2767,6 @@
   <p:clrMapOvr>
     <a:masterClrMapping/>
   </p:clrMapOvr>
-  <p:timing>
-    <p:tnLst>
-      <p:par>
-        <p:cTn id="1" dur="indefinite" restart="never" nodeType="tmRoot"/>
-      </p:par>
-    </p:tnLst>
-  </p:timing>
 </p:sldLayout>
 </file>
 
@@ -2892,7 +2867,7 @@
           <a:p>
             <a:pPr algn="r"/>
             <a:r>
-              <a:rPr lang="en-US" altLang="ko-KR" sz="1600" kern="1200" dirty="0" smtClean="0">
+              <a:rPr lang="en-US" altLang="ko-KR" sz="1600" kern="1200" dirty="0">
                 <a:solidFill>
                   <a:schemeClr val="tx1"/>
                 </a:solidFill>
@@ -2904,7 +2879,7 @@
               <a:t>8</a:t>
             </a:r>
             <a:r>
-              <a:rPr lang="ko-KR" altLang="en-US" sz="1600" kern="1200" dirty="0" smtClean="0">
+              <a:rPr lang="ko-KR" altLang="en-US" sz="1600" kern="1200" dirty="0">
                 <a:solidFill>
                   <a:schemeClr val="tx1"/>
                 </a:solidFill>
@@ -2916,7 +2891,7 @@
               <a:t>강</a:t>
             </a:r>
             <a:r>
-              <a:rPr lang="en-US" altLang="ko-KR" sz="1600" kern="1200" dirty="0" smtClean="0">
+              <a:rPr lang="en-US" altLang="ko-KR" sz="1600" kern="1200" dirty="0">
                 <a:solidFill>
                   <a:schemeClr val="tx1"/>
                 </a:solidFill>
@@ -2928,7 +2903,7 @@
               <a:t>.</a:t>
             </a:r>
             <a:r>
-              <a:rPr lang="en-US" altLang="ko-KR" sz="1600" kern="1200" baseline="0" dirty="0" smtClean="0">
+              <a:rPr lang="en-US" altLang="ko-KR" sz="1600" kern="1200" baseline="0" dirty="0">
                 <a:solidFill>
                   <a:schemeClr val="tx1"/>
                 </a:solidFill>
@@ -2940,7 +2915,7 @@
               <a:t> Servlet </a:t>
             </a:r>
             <a:r>
-              <a:rPr lang="ko-KR" altLang="en-US" sz="1600" kern="1200" baseline="0" dirty="0" smtClean="0">
+              <a:rPr lang="ko-KR" altLang="en-US" sz="1600" kern="1200" baseline="0" dirty="0">
                 <a:solidFill>
                   <a:schemeClr val="tx1"/>
                 </a:solidFill>
@@ -2952,7 +2927,7 @@
               <a:t>본격적으로 살펴보기</a:t>
             </a:r>
             <a:r>
-              <a:rPr lang="en-US" altLang="ko-KR" sz="1600" kern="1200" baseline="0" dirty="0" smtClean="0">
+              <a:rPr lang="en-US" altLang="ko-KR" sz="1600" kern="1200" baseline="0" dirty="0">
                 <a:solidFill>
                   <a:schemeClr val="tx1"/>
                 </a:solidFill>
@@ -3081,7 +3056,7 @@
             <a:fld id="{9E6BA691-BC9B-4A68-9744-1B809170C141}" type="datetime1">
               <a:rPr lang="ko-KR" altLang="en-US" smtClean="0"/>
               <a:pPr/>
-              <a:t>2021-11-03</a:t>
+              <a:t>2022-02-09</a:t>
             </a:fld>
             <a:endParaRPr lang="ko-KR" altLang="en-US"/>
           </a:p>
@@ -3150,13 +3125,6 @@
   <p:clrMapOvr>
     <a:masterClrMapping/>
   </p:clrMapOvr>
-  <p:timing>
-    <p:tnLst>
-      <p:par>
-        <p:cTn id="1" dur="indefinite" restart="never" nodeType="tmRoot"/>
-      </p:par>
-    </p:tnLst>
-  </p:timing>
 </p:sldLayout>
 </file>
 
@@ -3202,10 +3170,9 @@
           </a:lstStyle>
           <a:p>
             <a:r>
-              <a:rPr lang="ko-KR" altLang="en-US" smtClean="0"/>
+              <a:rPr lang="ko-KR" altLang="en-US"/>
               <a:t>마스터 제목 스타일 편집</a:t>
             </a:r>
-            <a:endParaRPr lang="ko-KR" altLang="en-US"/>
           </a:p>
         </p:txBody>
       </p:sp>
@@ -3259,38 +3226,37 @@
           <a:p>
             <a:pPr lvl="0"/>
             <a:r>
-              <a:rPr lang="ko-KR" altLang="en-US" smtClean="0"/>
+              <a:rPr lang="ko-KR" altLang="en-US"/>
               <a:t>마스터 텍스트 스타일을 편집합니다</a:t>
             </a:r>
           </a:p>
           <a:p>
             <a:pPr lvl="1"/>
             <a:r>
-              <a:rPr lang="ko-KR" altLang="en-US" smtClean="0"/>
+              <a:rPr lang="ko-KR" altLang="en-US"/>
               <a:t>둘째 수준</a:t>
             </a:r>
           </a:p>
           <a:p>
             <a:pPr lvl="2"/>
             <a:r>
-              <a:rPr lang="ko-KR" altLang="en-US" smtClean="0"/>
+              <a:rPr lang="ko-KR" altLang="en-US"/>
               <a:t>셋째 수준</a:t>
             </a:r>
           </a:p>
           <a:p>
             <a:pPr lvl="3"/>
             <a:r>
-              <a:rPr lang="ko-KR" altLang="en-US" smtClean="0"/>
+              <a:rPr lang="ko-KR" altLang="en-US"/>
               <a:t>넷째 수준</a:t>
             </a:r>
           </a:p>
           <a:p>
             <a:pPr lvl="4"/>
             <a:r>
-              <a:rPr lang="ko-KR" altLang="en-US" smtClean="0"/>
+              <a:rPr lang="ko-KR" altLang="en-US"/>
               <a:t>다섯째 수준</a:t>
             </a:r>
-            <a:endParaRPr lang="ko-KR" altLang="en-US"/>
           </a:p>
         </p:txBody>
       </p:sp>
@@ -3353,7 +3319,7 @@
           <a:p>
             <a:pPr lvl="0"/>
             <a:r>
-              <a:rPr lang="ko-KR" altLang="en-US" smtClean="0"/>
+              <a:rPr lang="ko-KR" altLang="en-US"/>
               <a:t>마스터 텍스트 스타일을 편집합니다</a:t>
             </a:r>
           </a:p>
@@ -3377,7 +3343,7 @@
             <a:fld id="{BB5D5985-9155-4A4F-A545-EFF2E5BDFE10}" type="datetime1">
               <a:rPr lang="ko-KR" altLang="en-US" smtClean="0"/>
               <a:pPr/>
-              <a:t>2021-11-03</a:t>
+              <a:t>2022-02-09</a:t>
             </a:fld>
             <a:endParaRPr lang="ko-KR" altLang="en-US"/>
           </a:p>
@@ -3436,13 +3402,6 @@
   <p:clrMapOvr>
     <a:masterClrMapping/>
   </p:clrMapOvr>
-  <p:timing>
-    <p:tnLst>
-      <p:par>
-        <p:cTn id="1" dur="indefinite" restart="never" nodeType="tmRoot"/>
-      </p:par>
-    </p:tnLst>
-  </p:timing>
 </p:sldLayout>
 </file>
 
@@ -3497,10 +3456,9 @@
           <a:lstStyle/>
           <a:p>
             <a:r>
-              <a:rPr lang="ko-KR" altLang="en-US" smtClean="0"/>
+              <a:rPr lang="ko-KR" altLang="en-US"/>
               <a:t>마스터 제목 스타일 편집</a:t>
             </a:r>
-            <a:endParaRPr lang="ko-KR" altLang="en-US"/>
           </a:p>
         </p:txBody>
       </p:sp>
@@ -3531,38 +3489,37 @@
           <a:p>
             <a:pPr lvl="0"/>
             <a:r>
-              <a:rPr lang="ko-KR" altLang="en-US" smtClean="0"/>
+              <a:rPr lang="ko-KR" altLang="en-US"/>
               <a:t>마스터 텍스트 스타일을 편집합니다</a:t>
             </a:r>
           </a:p>
           <a:p>
             <a:pPr lvl="1"/>
             <a:r>
-              <a:rPr lang="ko-KR" altLang="en-US" smtClean="0"/>
+              <a:rPr lang="ko-KR" altLang="en-US"/>
               <a:t>둘째 수준</a:t>
             </a:r>
           </a:p>
           <a:p>
             <a:pPr lvl="2"/>
             <a:r>
-              <a:rPr lang="ko-KR" altLang="en-US" smtClean="0"/>
+              <a:rPr lang="ko-KR" altLang="en-US"/>
               <a:t>셋째 수준</a:t>
             </a:r>
           </a:p>
           <a:p>
             <a:pPr lvl="3"/>
             <a:r>
-              <a:rPr lang="ko-KR" altLang="en-US" smtClean="0"/>
+              <a:rPr lang="ko-KR" altLang="en-US"/>
               <a:t>넷째 수준</a:t>
             </a:r>
           </a:p>
           <a:p>
             <a:pPr lvl="4"/>
             <a:r>
-              <a:rPr lang="ko-KR" altLang="en-US" smtClean="0"/>
+              <a:rPr lang="ko-KR" altLang="en-US"/>
               <a:t>다섯째 수준</a:t>
             </a:r>
-            <a:endParaRPr lang="ko-KR" altLang="en-US"/>
           </a:p>
         </p:txBody>
       </p:sp>
@@ -3602,7 +3559,7 @@
             <a:fld id="{F5078468-8E36-4528-8629-5ECE6BEC95B9}" type="datetime1">
               <a:rPr lang="ko-KR" altLang="en-US" smtClean="0"/>
               <a:pPr/>
-              <a:t>2021-11-03</a:t>
+              <a:t>2022-02-09</a:t>
             </a:fld>
             <a:endParaRPr lang="ko-KR" altLang="en-US"/>
           </a:p>
@@ -3709,13 +3666,6 @@
     <p:sldLayoutId id="2147483658" r:id="rId11"/>
     <p:sldLayoutId id="2147483659" r:id="rId12"/>
   </p:sldLayoutIdLst>
-  <p:timing>
-    <p:tnLst>
-      <p:par>
-        <p:cTn id="1" dur="indefinite" restart="never" nodeType="tmRoot"/>
-      </p:par>
-    </p:tnLst>
-  </p:timing>
   <p:hf hdr="0" ftr="0" dt="0"/>
   <p:txStyles>
     <p:titleStyle>
@@ -4040,36 +3990,6 @@
           <a:lstStyle/>
           <a:p>
             <a:r>
-              <a:rPr lang="en-US" altLang="ko-KR" sz="2000" spc="-150" dirty="0" smtClean="0">
-                <a:solidFill>
-                  <a:srgbClr val="0070C0"/>
-                </a:solidFill>
-                <a:latin typeface="+mj-ea"/>
-                <a:ea typeface="+mj-ea"/>
-              </a:rPr>
-              <a:t>8</a:t>
-            </a:r>
-            <a:r>
-              <a:rPr lang="ko-KR" altLang="en-US" sz="2000" spc="-150" dirty="0" smtClean="0">
-                <a:solidFill>
-                  <a:srgbClr val="0070C0"/>
-                </a:solidFill>
-                <a:latin typeface="+mj-ea"/>
-                <a:ea typeface="+mj-ea"/>
-              </a:rPr>
-              <a:t>강</a:t>
-            </a:r>
-            <a:r>
-              <a:rPr lang="en-US" altLang="ko-KR" sz="2000" spc="-150" dirty="0" smtClean="0">
-                <a:solidFill>
-                  <a:srgbClr val="0070C0"/>
-                </a:solidFill>
-                <a:latin typeface="+mj-ea"/>
-                <a:ea typeface="+mj-ea"/>
-              </a:rPr>
-              <a:t>. </a:t>
-            </a:r>
-            <a:r>
               <a:rPr lang="en-US" altLang="ko-KR" sz="2000" spc="-150" dirty="0">
                 <a:solidFill>
                   <a:srgbClr val="0070C0"/>
@@ -4077,7 +3997,7 @@
                 <a:latin typeface="+mj-ea"/>
                 <a:ea typeface="+mj-ea"/>
               </a:rPr>
-              <a:t>Servlet </a:t>
+              <a:t>8</a:t>
             </a:r>
             <a:r>
               <a:rPr lang="ko-KR" altLang="en-US" sz="2000" spc="-150" dirty="0">
@@ -4087,20 +4007,30 @@
                 <a:latin typeface="+mj-ea"/>
                 <a:ea typeface="+mj-ea"/>
               </a:rPr>
-              <a:t>본격적으로 </a:t>
-            </a:r>
-            <a:r>
-              <a:rPr lang="ko-KR" altLang="en-US" sz="2000" spc="-150" dirty="0" smtClean="0">
+              <a:t>강</a:t>
+            </a:r>
+            <a:r>
+              <a:rPr lang="en-US" altLang="ko-KR" sz="2000" spc="-150" dirty="0">
                 <a:solidFill>
                   <a:srgbClr val="0070C0"/>
                 </a:solidFill>
                 <a:latin typeface="+mj-ea"/>
                 <a:ea typeface="+mj-ea"/>
               </a:rPr>
-              <a:t>살펴보기</a:t>
-            </a:r>
-            <a:r>
-              <a:rPr lang="en-US" altLang="ko-KR" sz="2000" spc="-150" dirty="0" smtClean="0">
+              <a:t>. Servlet </a:t>
+            </a:r>
+            <a:r>
+              <a:rPr lang="ko-KR" altLang="en-US" sz="2000" spc="-150" dirty="0">
+                <a:solidFill>
+                  <a:srgbClr val="0070C0"/>
+                </a:solidFill>
+                <a:latin typeface="+mj-ea"/>
+                <a:ea typeface="+mj-ea"/>
+              </a:rPr>
+              <a:t>본격적으로 살펴보기</a:t>
+            </a:r>
+            <a:r>
+              <a:rPr lang="en-US" altLang="ko-KR" sz="2000" spc="-150" dirty="0">
                 <a:solidFill>
                   <a:srgbClr val="0070C0"/>
                 </a:solidFill>
@@ -4146,7 +4076,7 @@
               <a:buChar char="-"/>
             </a:pPr>
             <a:r>
-              <a:rPr lang="ko-KR" altLang="en-US" sz="1200" dirty="0" err="1" smtClean="0">
+              <a:rPr lang="ko-KR" altLang="en-US" sz="1200" dirty="0" err="1">
                 <a:solidFill>
                   <a:schemeClr val="tx1">
                     <a:lumMod val="65000"/>
@@ -4158,7 +4088,7 @@
               <a:t>서블릿</a:t>
             </a:r>
             <a:r>
-              <a:rPr lang="ko-KR" altLang="en-US" sz="1200" dirty="0" smtClean="0">
+              <a:rPr lang="ko-KR" altLang="en-US" sz="1200" dirty="0">
                 <a:solidFill>
                   <a:schemeClr val="tx1">
                     <a:lumMod val="65000"/>
@@ -4170,7 +4100,7 @@
               <a:t> 초기화 </a:t>
             </a:r>
             <a:r>
-              <a:rPr lang="ko-KR" altLang="en-US" sz="1200" dirty="0" err="1" smtClean="0">
+              <a:rPr lang="ko-KR" altLang="en-US" sz="1200" dirty="0" err="1">
                 <a:solidFill>
                   <a:schemeClr val="tx1">
                     <a:lumMod val="65000"/>
@@ -4182,7 +4112,7 @@
               <a:t>파라미터</a:t>
             </a:r>
             <a:r>
-              <a:rPr lang="ko-KR" altLang="en-US" sz="1200" dirty="0" smtClean="0">
+              <a:rPr lang="ko-KR" altLang="en-US" sz="1200" dirty="0">
                 <a:solidFill>
                   <a:schemeClr val="tx1">
                     <a:lumMod val="65000"/>
@@ -4194,7 +4124,7 @@
               <a:t> </a:t>
             </a:r>
             <a:r>
-              <a:rPr lang="en-US" altLang="ko-KR" sz="1200" dirty="0" smtClean="0">
+              <a:rPr lang="en-US" altLang="ko-KR" sz="1200" dirty="0">
                 <a:solidFill>
                   <a:schemeClr val="tx1">
                     <a:lumMod val="65000"/>
@@ -4206,7 +4136,7 @@
               <a:t>: </a:t>
             </a:r>
             <a:r>
-              <a:rPr lang="en-US" altLang="ko-KR" sz="1200" dirty="0" err="1" smtClean="0">
+              <a:rPr lang="en-US" altLang="ko-KR" sz="1200" dirty="0" err="1">
                 <a:solidFill>
                   <a:schemeClr val="tx1">
                     <a:lumMod val="65000"/>
@@ -4217,7 +4147,7 @@
               </a:rPr>
               <a:t>ServletConfig</a:t>
             </a:r>
-            <a:endParaRPr lang="en-US" altLang="ko-KR" sz="1200" dirty="0" smtClean="0">
+            <a:endParaRPr lang="en-US" altLang="ko-KR" sz="1200" dirty="0">
               <a:solidFill>
                 <a:schemeClr val="tx1">
                   <a:lumMod val="65000"/>
@@ -4233,7 +4163,7 @@
               <a:buChar char="-"/>
             </a:pPr>
             <a:r>
-              <a:rPr lang="ko-KR" altLang="en-US" sz="1200" dirty="0" smtClean="0">
+              <a:rPr lang="ko-KR" altLang="en-US" sz="1200" dirty="0">
                 <a:solidFill>
                   <a:schemeClr val="tx1">
                     <a:lumMod val="65000"/>
@@ -4245,7 +4175,7 @@
               <a:t>데이터 공유 </a:t>
             </a:r>
             <a:r>
-              <a:rPr lang="en-US" altLang="ko-KR" sz="1200" dirty="0" smtClean="0">
+              <a:rPr lang="en-US" altLang="ko-KR" sz="1200" dirty="0">
                 <a:solidFill>
                   <a:schemeClr val="tx1">
                     <a:lumMod val="65000"/>
@@ -4257,7 +4187,7 @@
               <a:t>: </a:t>
             </a:r>
             <a:r>
-              <a:rPr lang="en-US" altLang="ko-KR" sz="1200" dirty="0" err="1" smtClean="0">
+              <a:rPr lang="en-US" altLang="ko-KR" sz="1200" dirty="0" err="1">
                 <a:solidFill>
                   <a:schemeClr val="tx1">
                     <a:lumMod val="65000"/>
@@ -4268,7 +4198,7 @@
               </a:rPr>
               <a:t>ServletContext</a:t>
             </a:r>
-            <a:endParaRPr lang="en-US" altLang="ko-KR" sz="1200" dirty="0" smtClean="0">
+            <a:endParaRPr lang="en-US" altLang="ko-KR" sz="1200" dirty="0">
               <a:solidFill>
                 <a:schemeClr val="tx1">
                   <a:lumMod val="65000"/>
@@ -4284,7 +4214,7 @@
               <a:buChar char="-"/>
             </a:pPr>
             <a:r>
-              <a:rPr lang="ko-KR" altLang="en-US" sz="1200" dirty="0" err="1" smtClean="0">
+              <a:rPr lang="ko-KR" altLang="en-US" sz="1200" dirty="0" err="1">
                 <a:solidFill>
                   <a:schemeClr val="tx1">
                     <a:lumMod val="65000"/>
@@ -4296,7 +4226,7 @@
               <a:t>웹어플리케이션</a:t>
             </a:r>
             <a:r>
-              <a:rPr lang="ko-KR" altLang="en-US" sz="1200" dirty="0" smtClean="0">
+              <a:rPr lang="ko-KR" altLang="en-US" sz="1200" dirty="0">
                 <a:solidFill>
                   <a:schemeClr val="tx1">
                     <a:lumMod val="65000"/>
@@ -4308,7 +4238,7 @@
               <a:t> 감시 </a:t>
             </a:r>
             <a:r>
-              <a:rPr lang="en-US" altLang="ko-KR" sz="1200" dirty="0" smtClean="0">
+              <a:rPr lang="en-US" altLang="ko-KR" sz="1200" dirty="0">
                 <a:solidFill>
                   <a:schemeClr val="tx1">
                     <a:lumMod val="65000"/>
@@ -4320,7 +4250,7 @@
               <a:t>: </a:t>
             </a:r>
             <a:r>
-              <a:rPr lang="en-US" altLang="ko-KR" sz="1200" dirty="0" err="1" smtClean="0">
+              <a:rPr lang="en-US" altLang="ko-KR" sz="1200" dirty="0" err="1">
                 <a:solidFill>
                   <a:schemeClr val="tx1">
                     <a:lumMod val="65000"/>
@@ -4331,7 +4261,7 @@
               </a:rPr>
               <a:t>ServletContextListener</a:t>
             </a:r>
-            <a:endParaRPr lang="en-US" altLang="ko-KR" sz="1200" dirty="0" smtClean="0">
+            <a:endParaRPr lang="en-US" altLang="ko-KR" sz="1200" dirty="0">
               <a:solidFill>
                 <a:schemeClr val="tx1">
                   <a:lumMod val="65000"/>
@@ -4353,13 +4283,6 @@
   <p:clrMapOvr>
     <a:masterClrMapping/>
   </p:clrMapOvr>
-  <p:timing>
-    <p:tnLst>
-      <p:par>
-        <p:cTn id="1" dur="indefinite" restart="never" nodeType="tmRoot"/>
-      </p:par>
-    </p:tnLst>
-  </p:timing>
 </p:sld>
 </file>
 
@@ -4403,7 +4326,7 @@
           <a:lstStyle/>
           <a:p>
             <a:r>
-              <a:rPr lang="en-US" altLang="ko-KR" sz="1600" b="1" kern="1200" dirty="0" smtClean="0">
+              <a:rPr lang="en-US" altLang="ko-KR" sz="1600" b="1" kern="1200" dirty="0">
                 <a:solidFill>
                   <a:schemeClr val="tx1"/>
                 </a:solidFill>
@@ -4414,7 +4337,7 @@
               <a:t>8-1.</a:t>
             </a:r>
             <a:r>
-              <a:rPr lang="en-US" altLang="ko-KR" sz="1600" b="1" kern="1200" baseline="0" dirty="0" smtClean="0">
+              <a:rPr lang="en-US" altLang="ko-KR" sz="1600" b="1" kern="1200" baseline="0" dirty="0">
                 <a:solidFill>
                   <a:schemeClr val="tx1"/>
                 </a:solidFill>
@@ -4455,13 +4378,13 @@
               <a:t>: </a:t>
             </a:r>
             <a:r>
-              <a:rPr lang="en-US" altLang="ko-KR" sz="1600" b="1" dirty="0" err="1" smtClean="0">
+              <a:rPr lang="en-US" altLang="ko-KR" sz="1600" b="1" dirty="0" err="1">
                 <a:latin typeface="+mn-ea"/>
               </a:rPr>
               <a:t>ServletConfig</a:t>
             </a:r>
             <a:r>
-              <a:rPr lang="ko-KR" altLang="en-US" sz="1600" b="1" dirty="0" smtClean="0">
+              <a:rPr lang="ko-KR" altLang="en-US" sz="1600" b="1" dirty="0">
                 <a:latin typeface="+mn-ea"/>
               </a:rPr>
               <a:t>의 메서드를 이용</a:t>
@@ -4558,37 +4481,37 @@
           <a:lstStyle/>
           <a:p>
             <a:r>
-              <a:rPr lang="ko-KR" altLang="en-US" sz="1100" dirty="0" smtClean="0">
+              <a:rPr lang="ko-KR" altLang="en-US" sz="1100" dirty="0">
                 <a:latin typeface="+mn-ea"/>
               </a:rPr>
               <a:t>특정 </a:t>
             </a:r>
             <a:r>
-              <a:rPr lang="en-US" altLang="ko-KR" sz="1100" dirty="0" smtClean="0">
+              <a:rPr lang="en-US" altLang="ko-KR" sz="1100" dirty="0">
                 <a:latin typeface="+mn-ea"/>
               </a:rPr>
               <a:t>Servlet</a:t>
             </a:r>
             <a:r>
-              <a:rPr lang="ko-KR" altLang="en-US" sz="1100" dirty="0" smtClean="0">
+              <a:rPr lang="ko-KR" altLang="en-US" sz="1100" dirty="0">
                 <a:latin typeface="+mn-ea"/>
               </a:rPr>
               <a:t>이 생성될 때 초기에 필요한 데이터들이 있습니다</a:t>
             </a:r>
             <a:r>
-              <a:rPr lang="en-US" altLang="ko-KR" sz="1100" dirty="0" smtClean="0">
+              <a:rPr lang="en-US" altLang="ko-KR" sz="1100" dirty="0">
                 <a:latin typeface="+mn-ea"/>
               </a:rPr>
               <a:t>. </a:t>
             </a:r>
             <a:r>
-              <a:rPr lang="ko-KR" altLang="en-US" sz="1100" dirty="0" smtClean="0">
+              <a:rPr lang="ko-KR" altLang="en-US" sz="1100" dirty="0">
                 <a:latin typeface="+mn-ea"/>
               </a:rPr>
               <a:t>예를 들어 특정 경로 및 아이디 정보 등 입니다</a:t>
             </a:r>
             <a:r>
-              <a:rPr lang="en-US" altLang="ko-KR" sz="1100" dirty="0" smtClean="0">
+              <a:rPr lang="en-US" altLang="ko-KR" sz="1100" dirty="0">
                 <a:latin typeface="+mn-ea"/>
               </a:rPr>
               <a:t>.</a:t>
@@ -4596,67 +4519,67 @@
           </a:p>
           <a:p>
             <a:r>
-              <a:rPr lang="ko-KR" altLang="en-US" sz="1100" dirty="0" smtClean="0">
+              <a:rPr lang="ko-KR" altLang="en-US" sz="1100" dirty="0">
                 <a:latin typeface="+mn-ea"/>
               </a:rPr>
               <a:t>이러한 데이터들을 초기화 </a:t>
             </a:r>
             <a:r>
-              <a:rPr lang="ko-KR" altLang="en-US" sz="1100" dirty="0" err="1" smtClean="0">
+              <a:rPr lang="ko-KR" altLang="en-US" sz="1100" dirty="0" err="1">
                 <a:latin typeface="+mn-ea"/>
               </a:rPr>
               <a:t>파라미터라고</a:t>
             </a:r>
             <a:r>
-              <a:rPr lang="ko-KR" altLang="en-US" sz="1100" dirty="0" smtClean="0">
+              <a:rPr lang="ko-KR" altLang="en-US" sz="1100" dirty="0">
                 <a:latin typeface="+mn-ea"/>
               </a:rPr>
               <a:t> 하며</a:t>
             </a:r>
             <a:r>
-              <a:rPr lang="en-US" altLang="ko-KR" sz="1100" dirty="0" smtClean="0">
+              <a:rPr lang="en-US" altLang="ko-KR" sz="1100" dirty="0">
                 <a:latin typeface="+mn-ea"/>
               </a:rPr>
               <a:t>, web.xml</a:t>
             </a:r>
             <a:r>
-              <a:rPr lang="ko-KR" altLang="en-US" sz="1100" dirty="0" smtClean="0">
+              <a:rPr lang="ko-KR" altLang="en-US" sz="1100" dirty="0">
                 <a:latin typeface="+mn-ea"/>
               </a:rPr>
               <a:t>에 기술하고</a:t>
             </a:r>
             <a:r>
-              <a:rPr lang="en-US" altLang="ko-KR" sz="1100" dirty="0" smtClean="0">
+              <a:rPr lang="en-US" altLang="ko-KR" sz="1100" dirty="0">
                 <a:latin typeface="+mn-ea"/>
               </a:rPr>
               <a:t> Servlet</a:t>
             </a:r>
             <a:r>
-              <a:rPr lang="ko-KR" altLang="en-US" sz="1100" dirty="0" smtClean="0">
+              <a:rPr lang="ko-KR" altLang="en-US" sz="1100" dirty="0">
                 <a:latin typeface="+mn-ea"/>
               </a:rPr>
               <a:t>파일에서는 </a:t>
             </a:r>
             <a:r>
-              <a:rPr lang="en-US" altLang="ko-KR" sz="1100" dirty="0" err="1" smtClean="0">
+              <a:rPr lang="en-US" altLang="ko-KR" sz="1100" dirty="0" err="1">
                 <a:latin typeface="+mn-ea"/>
               </a:rPr>
               <a:t>ServletConfig</a:t>
             </a:r>
             <a:r>
-              <a:rPr lang="en-US" altLang="ko-KR" sz="1100" dirty="0" smtClean="0">
+              <a:rPr lang="en-US" altLang="ko-KR" sz="1100" dirty="0">
                 <a:latin typeface="+mn-ea"/>
               </a:rPr>
               <a:t> </a:t>
             </a:r>
             <a:r>
-              <a:rPr lang="ko-KR" altLang="en-US" sz="1100" dirty="0" smtClean="0">
+              <a:rPr lang="ko-KR" altLang="en-US" sz="1100" dirty="0">
                 <a:latin typeface="+mn-ea"/>
               </a:rPr>
               <a:t>인터페이스를 구현한 </a:t>
             </a:r>
             <a:r>
-              <a:rPr lang="en-US" altLang="ko-KR" sz="1100" dirty="0" err="1" smtClean="0">
+              <a:rPr lang="en-US" altLang="ko-KR" sz="1100" dirty="0" err="1">
                 <a:latin typeface="+mn-ea"/>
               </a:rPr>
               <a:t>HttpServlet</a:t>
@@ -4668,79 +4591,79 @@
               <a:t> </a:t>
             </a:r>
             <a:r>
-              <a:rPr lang="ko-KR" altLang="en-US" sz="1100" dirty="0" smtClean="0">
+              <a:rPr lang="ko-KR" altLang="en-US" sz="1100" dirty="0">
                 <a:latin typeface="+mn-ea"/>
               </a:rPr>
               <a:t>클래스를 이용해서 접근</a:t>
             </a:r>
             <a:r>
-              <a:rPr lang="en-US" altLang="ko-KR" sz="1100" dirty="0" smtClean="0">
+              <a:rPr lang="en-US" altLang="ko-KR" sz="1100" dirty="0">
                 <a:latin typeface="+mn-ea"/>
               </a:rPr>
               <a:t>(</a:t>
             </a:r>
             <a:r>
-              <a:rPr lang="ko-KR" altLang="en-US" sz="1100" dirty="0" smtClean="0">
+              <a:rPr lang="ko-KR" altLang="en-US" sz="1100" dirty="0">
                 <a:latin typeface="+mn-ea"/>
               </a:rPr>
               <a:t>사용</a:t>
             </a:r>
             <a:r>
-              <a:rPr lang="en-US" altLang="ko-KR" sz="1100" dirty="0" smtClean="0">
+              <a:rPr lang="en-US" altLang="ko-KR" sz="1100" dirty="0">
                 <a:latin typeface="+mn-ea"/>
               </a:rPr>
               <a:t>)</a:t>
             </a:r>
             <a:r>
-              <a:rPr lang="ko-KR" altLang="en-US" sz="1100" dirty="0" smtClean="0">
+              <a:rPr lang="ko-KR" altLang="en-US" sz="1100" dirty="0">
                 <a:latin typeface="+mn-ea"/>
               </a:rPr>
               <a:t>합니다</a:t>
             </a:r>
             <a:r>
-              <a:rPr lang="en-US" altLang="ko-KR" sz="1100" dirty="0" smtClean="0">
+              <a:rPr lang="en-US" altLang="ko-KR" sz="1100" dirty="0">
                 <a:latin typeface="+mn-ea"/>
               </a:rPr>
               <a:t>.(</a:t>
             </a:r>
             <a:r>
-              <a:rPr lang="en-US" altLang="ko-KR" sz="1100" dirty="0" err="1" smtClean="0">
+              <a:rPr lang="en-US" altLang="ko-KR" sz="1100" dirty="0" err="1">
                 <a:latin typeface="+mn-ea"/>
               </a:rPr>
               <a:t>HttpServlet</a:t>
             </a:r>
             <a:r>
-              <a:rPr lang="ko-KR" altLang="en-US" sz="1100" dirty="0" smtClean="0">
+              <a:rPr lang="ko-KR" altLang="en-US" sz="1100" dirty="0">
                 <a:latin typeface="+mn-ea"/>
               </a:rPr>
               <a:t>의 상위인 </a:t>
             </a:r>
             <a:r>
-              <a:rPr lang="en-US" altLang="ko-KR" sz="1100" dirty="0" err="1" smtClean="0">
+              <a:rPr lang="en-US" altLang="ko-KR" sz="1100" dirty="0" err="1">
                 <a:latin typeface="+mn-ea"/>
               </a:rPr>
               <a:t>GenericServlet</a:t>
             </a:r>
             <a:r>
-              <a:rPr lang="ko-KR" altLang="en-US" sz="1100" dirty="0" smtClean="0">
+              <a:rPr lang="ko-KR" altLang="en-US" sz="1100" dirty="0">
                 <a:latin typeface="+mn-ea"/>
               </a:rPr>
               <a:t>이 </a:t>
             </a:r>
             <a:r>
-              <a:rPr lang="en-US" altLang="ko-KR" sz="1100" dirty="0" err="1" smtClean="0">
+              <a:rPr lang="en-US" altLang="ko-KR" sz="1100" dirty="0" err="1">
                 <a:latin typeface="+mn-ea"/>
               </a:rPr>
               <a:t>ServletConfig</a:t>
             </a:r>
             <a:r>
-              <a:rPr lang="ko-KR" altLang="en-US" sz="1100" dirty="0" smtClean="0">
+              <a:rPr lang="ko-KR" altLang="en-US" sz="1100" dirty="0">
                 <a:latin typeface="+mn-ea"/>
               </a:rPr>
               <a:t>를 구현함</a:t>
             </a:r>
             <a:r>
-              <a:rPr lang="en-US" altLang="ko-KR" sz="1100" dirty="0" smtClean="0">
+              <a:rPr lang="en-US" altLang="ko-KR" sz="1100" dirty="0">
                 <a:latin typeface="+mn-ea"/>
               </a:rPr>
               <a:t>)</a:t>
@@ -4748,49 +4671,49 @@
           </a:p>
           <a:p>
             <a:r>
-              <a:rPr lang="ko-KR" altLang="en-US" sz="1100" dirty="0" smtClean="0">
+              <a:rPr lang="ko-KR" altLang="en-US" sz="1100" dirty="0">
                 <a:latin typeface="+mn-ea"/>
               </a:rPr>
               <a:t>또한 초기화 </a:t>
             </a:r>
             <a:r>
-              <a:rPr lang="ko-KR" altLang="en-US" sz="1100" dirty="0" err="1" smtClean="0">
+              <a:rPr lang="ko-KR" altLang="en-US" sz="1100" dirty="0" err="1">
                 <a:latin typeface="+mn-ea"/>
               </a:rPr>
               <a:t>파라미터를</a:t>
             </a:r>
             <a:r>
-              <a:rPr lang="ko-KR" altLang="en-US" sz="1100" dirty="0" smtClean="0">
+              <a:rPr lang="ko-KR" altLang="en-US" sz="1100" dirty="0">
                 <a:latin typeface="+mn-ea"/>
               </a:rPr>
               <a:t> </a:t>
             </a:r>
             <a:r>
-              <a:rPr lang="en-US" altLang="ko-KR" sz="1100" dirty="0" smtClean="0">
+              <a:rPr lang="en-US" altLang="ko-KR" sz="1100" dirty="0">
                 <a:latin typeface="+mn-ea"/>
               </a:rPr>
               <a:t>web.xml</a:t>
             </a:r>
             <a:r>
-              <a:rPr lang="ko-KR" altLang="en-US" sz="1100" dirty="0" smtClean="0">
+              <a:rPr lang="ko-KR" altLang="en-US" sz="1100" dirty="0">
                 <a:latin typeface="+mn-ea"/>
               </a:rPr>
               <a:t>이 아닌 </a:t>
             </a:r>
             <a:r>
-              <a:rPr lang="en-US" altLang="ko-KR" sz="1100" dirty="0" smtClean="0">
+              <a:rPr lang="en-US" altLang="ko-KR" sz="1100" dirty="0">
                 <a:latin typeface="+mn-ea"/>
               </a:rPr>
               <a:t>Servlet</a:t>
             </a:r>
             <a:r>
-              <a:rPr lang="ko-KR" altLang="en-US" sz="1100" dirty="0" smtClean="0">
+              <a:rPr lang="ko-KR" altLang="en-US" sz="1100" dirty="0">
                 <a:latin typeface="+mn-ea"/>
               </a:rPr>
               <a:t>파일에 직접 기술하는 방법도 살펴 봅니다</a:t>
             </a:r>
             <a:r>
-              <a:rPr lang="en-US" altLang="ko-KR" sz="1100" dirty="0" smtClean="0">
+              <a:rPr lang="en-US" altLang="ko-KR" sz="1100" dirty="0">
                 <a:latin typeface="+mn-ea"/>
               </a:rPr>
               <a:t>.</a:t>
@@ -4801,13 +4724,7 @@
               <a:rPr lang="en-US" altLang="ko-KR" sz="1100" dirty="0">
                 <a:latin typeface="+mn-ea"/>
               </a:rPr>
-              <a:t>(</a:t>
-            </a:r>
-            <a:r>
-              <a:rPr lang="en-US" altLang="ko-KR" sz="1100" dirty="0" smtClean="0">
-                <a:latin typeface="+mn-ea"/>
-              </a:rPr>
-              <a:t>jsp_8_1_ex1_initparamex)</a:t>
+              <a:t>(jsp_8_1_ex1_initparamex)</a:t>
             </a:r>
           </a:p>
         </p:txBody>
@@ -4835,36 +4752,36 @@
           <a:lstStyle/>
           <a:p>
             <a:r>
-              <a:rPr lang="en-US" altLang="ko-KR" sz="1100" dirty="0" smtClean="0">
+              <a:rPr lang="en-US" altLang="ko-KR" sz="1100" dirty="0">
                 <a:latin typeface="+mn-ea"/>
               </a:rPr>
               <a:t>web.xml</a:t>
             </a:r>
             <a:r>
-              <a:rPr lang="ko-KR" altLang="en-US" sz="1100" dirty="0" smtClean="0">
+              <a:rPr lang="ko-KR" altLang="en-US" sz="1100" dirty="0">
                 <a:latin typeface="+mn-ea"/>
               </a:rPr>
               <a:t>파일에 초기화 </a:t>
             </a:r>
             <a:r>
-              <a:rPr lang="ko-KR" altLang="en-US" sz="1100" dirty="0" err="1" smtClean="0">
+              <a:rPr lang="ko-KR" altLang="en-US" sz="1100" dirty="0" err="1">
                 <a:latin typeface="+mn-ea"/>
               </a:rPr>
               <a:t>파라미터</a:t>
             </a:r>
             <a:r>
-              <a:rPr lang="en-US" altLang="ko-KR" sz="1100" dirty="0" smtClean="0">
+              <a:rPr lang="en-US" altLang="ko-KR" sz="1100" dirty="0">
                 <a:latin typeface="+mn-ea"/>
               </a:rPr>
               <a:t>(Initialization Parameter)</a:t>
             </a:r>
             <a:r>
-              <a:rPr lang="ko-KR" altLang="en-US" sz="1100" dirty="0" smtClean="0">
+              <a:rPr lang="ko-KR" altLang="en-US" sz="1100" dirty="0">
                 <a:latin typeface="+mn-ea"/>
               </a:rPr>
               <a:t> 기술</a:t>
             </a:r>
-            <a:endParaRPr lang="en-US" altLang="ko-KR" sz="1100" dirty="0" smtClean="0">
+            <a:endParaRPr lang="en-US" altLang="ko-KR" sz="1100" dirty="0">
               <a:latin typeface="+mn-ea"/>
             </a:endParaRPr>
           </a:p>
@@ -4959,13 +4876,13 @@
             <a:p>
               <a:pPr algn="ctr"/>
               <a:r>
-                <a:rPr lang="en-US" altLang="ko-KR" dirty="0" smtClean="0">
+                <a:rPr lang="en-US" altLang="ko-KR" dirty="0">
                   <a:latin typeface="+mn-ea"/>
                 </a:rPr>
                 <a:t>Servlet </a:t>
               </a:r>
               <a:r>
-                <a:rPr lang="ko-KR" altLang="en-US" dirty="0" smtClean="0">
+                <a:rPr lang="ko-KR" altLang="en-US" dirty="0">
                   <a:latin typeface="+mn-ea"/>
                 </a:rPr>
                 <a:t>클래스 제작</a:t>
@@ -5011,25 +4928,25 @@
             <a:p>
               <a:pPr algn="ctr"/>
               <a:r>
-                <a:rPr lang="en-US" altLang="ko-KR" dirty="0" smtClean="0">
+                <a:rPr lang="en-US" altLang="ko-KR" dirty="0">
                   <a:latin typeface="+mn-ea"/>
                 </a:rPr>
                 <a:t>web.xml</a:t>
               </a:r>
               <a:r>
-                <a:rPr lang="ko-KR" altLang="en-US" dirty="0" smtClean="0">
+                <a:rPr lang="ko-KR" altLang="en-US" dirty="0">
                   <a:latin typeface="+mn-ea"/>
                 </a:rPr>
                 <a:t>파일에 초기화 </a:t>
               </a:r>
               <a:r>
-                <a:rPr lang="ko-KR" altLang="en-US" dirty="0" err="1" smtClean="0">
+                <a:rPr lang="ko-KR" altLang="en-US" dirty="0" err="1">
                   <a:latin typeface="+mn-ea"/>
                 </a:rPr>
                 <a:t>파라미터</a:t>
               </a:r>
               <a:r>
-                <a:rPr lang="ko-KR" altLang="en-US" dirty="0" smtClean="0">
+                <a:rPr lang="ko-KR" altLang="en-US" dirty="0">
                   <a:latin typeface="+mn-ea"/>
                 </a:rPr>
                 <a:t> 기술</a:t>
@@ -5075,37 +4992,37 @@
             <a:p>
               <a:pPr algn="ctr"/>
               <a:r>
-                <a:rPr lang="en-US" altLang="ko-KR" dirty="0" err="1" smtClean="0">
+                <a:rPr lang="en-US" altLang="ko-KR" dirty="0" err="1">
                   <a:latin typeface="+mn-ea"/>
                 </a:rPr>
                 <a:t>ServletConfig</a:t>
               </a:r>
               <a:r>
-                <a:rPr lang="en-US" altLang="ko-KR" dirty="0" smtClean="0">
+                <a:rPr lang="en-US" altLang="ko-KR" dirty="0">
                   <a:latin typeface="+mn-ea"/>
                 </a:rPr>
                 <a:t> </a:t>
               </a:r>
               <a:r>
-                <a:rPr lang="ko-KR" altLang="en-US" dirty="0" err="1" smtClean="0">
+                <a:rPr lang="ko-KR" altLang="en-US" dirty="0" err="1">
                   <a:latin typeface="+mn-ea"/>
                 </a:rPr>
                 <a:t>메소드</a:t>
               </a:r>
               <a:r>
-                <a:rPr lang="ko-KR" altLang="en-US" dirty="0" smtClean="0">
+                <a:rPr lang="ko-KR" altLang="en-US" dirty="0">
                   <a:latin typeface="+mn-ea"/>
                 </a:rPr>
                 <a:t> 이용해서</a:t>
               </a:r>
-              <a:endParaRPr lang="en-US" altLang="ko-KR" dirty="0" smtClean="0">
+              <a:endParaRPr lang="en-US" altLang="ko-KR" dirty="0">
                 <a:latin typeface="+mn-ea"/>
               </a:endParaRPr>
             </a:p>
             <a:p>
               <a:pPr algn="ctr"/>
               <a:r>
-                <a:rPr lang="ko-KR" altLang="en-US" dirty="0" smtClean="0">
+                <a:rPr lang="ko-KR" altLang="en-US" dirty="0">
                   <a:latin typeface="+mn-ea"/>
                 </a:rPr>
                 <a:t>데이터 불러오기</a:t>
@@ -5334,13 +5251,6 @@
   <p:clrMapOvr>
     <a:masterClrMapping/>
   </p:clrMapOvr>
-  <p:timing>
-    <p:tnLst>
-      <p:par>
-        <p:cTn id="1" dur="indefinite" restart="never" nodeType="tmRoot"/>
-      </p:par>
-    </p:tnLst>
-  </p:timing>
 </p:sld>
 </file>
 
@@ -5408,7 +5318,7 @@
           <a:lstStyle/>
           <a:p>
             <a:r>
-              <a:rPr lang="en-US" altLang="ko-KR" sz="1600" b="1" kern="1200" dirty="0" smtClean="0">
+              <a:rPr lang="en-US" altLang="ko-KR" sz="1600" b="1" kern="1200" dirty="0">
                 <a:solidFill>
                   <a:schemeClr val="tx1"/>
                 </a:solidFill>
@@ -5419,7 +5329,7 @@
               <a:t>8-1.</a:t>
             </a:r>
             <a:r>
-              <a:rPr lang="en-US" altLang="ko-KR" sz="1600" b="1" kern="1200" baseline="0" dirty="0" smtClean="0">
+              <a:rPr lang="en-US" altLang="ko-KR" sz="1600" b="1" kern="1200" baseline="0" dirty="0">
                 <a:solidFill>
                   <a:schemeClr val="tx1"/>
                 </a:solidFill>
@@ -5457,40 +5367,34 @@
               <a:rPr lang="en-US" altLang="ko-KR" sz="1600" b="1" dirty="0">
                 <a:latin typeface="+mn-ea"/>
               </a:rPr>
-              <a:t>: </a:t>
-            </a:r>
-            <a:r>
-              <a:rPr lang="en-US" altLang="ko-KR" sz="1600" b="1" dirty="0" smtClean="0">
-                <a:latin typeface="+mn-ea"/>
-              </a:rPr>
-              <a:t>ServletConfig(web.xml</a:t>
-            </a:r>
-            <a:r>
-              <a:rPr lang="ko-KR" altLang="en-US" sz="1600" b="1" dirty="0" smtClean="0">
+              <a:t>: ServletConfig(web.xml</a:t>
+            </a:r>
+            <a:r>
+              <a:rPr lang="ko-KR" altLang="en-US" sz="1600" b="1" dirty="0">
                 <a:latin typeface="+mn-ea"/>
               </a:rPr>
               <a:t>이 아닌 </a:t>
             </a:r>
             <a:r>
-              <a:rPr lang="ko-KR" altLang="en-US" sz="1600" b="1" dirty="0" err="1" smtClean="0">
+              <a:rPr lang="ko-KR" altLang="en-US" sz="1600" b="1" dirty="0" err="1">
                 <a:latin typeface="+mn-ea"/>
               </a:rPr>
               <a:t>어노테이션</a:t>
             </a:r>
             <a:r>
-              <a:rPr lang="en-US" altLang="ko-KR" sz="1600" b="1" dirty="0" smtClean="0">
+              <a:rPr lang="en-US" altLang="ko-KR" sz="1600" b="1" dirty="0">
                 <a:latin typeface="+mn-ea"/>
               </a:rPr>
               <a:t> </a:t>
             </a:r>
             <a:r>
-              <a:rPr lang="ko-KR" altLang="en-US" sz="1600" b="1" dirty="0" smtClean="0">
+              <a:rPr lang="ko-KR" altLang="en-US" sz="1600" b="1" dirty="0">
                 <a:latin typeface="+mn-ea"/>
               </a:rPr>
               <a:t>활용</a:t>
             </a:r>
             <a:r>
-              <a:rPr lang="en-US" altLang="ko-KR" sz="1600" b="1" dirty="0" smtClean="0">
+              <a:rPr lang="en-US" altLang="ko-KR" sz="1600" b="1" dirty="0">
                 <a:latin typeface="+mn-ea"/>
               </a:rPr>
               <a:t>)</a:t>
@@ -5587,36 +5491,36 @@
           <a:lstStyle/>
           <a:p>
             <a:r>
-              <a:rPr lang="en-US" altLang="ko-KR" sz="1100" dirty="0" smtClean="0">
+              <a:rPr lang="en-US" altLang="ko-KR" sz="1100" dirty="0">
                 <a:latin typeface="+mn-ea"/>
               </a:rPr>
               <a:t>Servlet</a:t>
             </a:r>
             <a:r>
-              <a:rPr lang="ko-KR" altLang="en-US" sz="1100" dirty="0" smtClean="0">
+              <a:rPr lang="ko-KR" altLang="en-US" sz="1100" dirty="0">
                 <a:latin typeface="+mn-ea"/>
               </a:rPr>
               <a:t>파일에 초기화 </a:t>
             </a:r>
             <a:r>
-              <a:rPr lang="ko-KR" altLang="en-US" sz="1100" dirty="0" err="1" smtClean="0">
+              <a:rPr lang="ko-KR" altLang="en-US" sz="1100" dirty="0" err="1">
                 <a:latin typeface="+mn-ea"/>
               </a:rPr>
               <a:t>파라미터</a:t>
             </a:r>
             <a:r>
-              <a:rPr lang="en-US" altLang="ko-KR" sz="1100" dirty="0" smtClean="0">
+              <a:rPr lang="en-US" altLang="ko-KR" sz="1100" dirty="0">
                 <a:latin typeface="+mn-ea"/>
               </a:rPr>
               <a:t>(Initialization Parameter)</a:t>
             </a:r>
             <a:r>
-              <a:rPr lang="ko-KR" altLang="en-US" sz="1100" dirty="0" smtClean="0">
+              <a:rPr lang="ko-KR" altLang="en-US" sz="1100" dirty="0">
                 <a:latin typeface="+mn-ea"/>
               </a:rPr>
               <a:t> 기술</a:t>
             </a:r>
-            <a:endParaRPr lang="en-US" altLang="ko-KR" sz="1100" dirty="0" smtClean="0">
+            <a:endParaRPr lang="en-US" altLang="ko-KR" sz="1100" dirty="0">
               <a:latin typeface="+mn-ea"/>
             </a:endParaRPr>
           </a:p>
@@ -5697,13 +5601,13 @@
           <a:p>
             <a:pPr algn="ctr"/>
             <a:r>
-              <a:rPr lang="en-US" altLang="ko-KR" dirty="0" smtClean="0">
+              <a:rPr lang="en-US" altLang="ko-KR" dirty="0">
                 <a:latin typeface="+mn-ea"/>
               </a:rPr>
               <a:t>Servlet </a:t>
             </a:r>
             <a:r>
-              <a:rPr lang="ko-KR" altLang="en-US" dirty="0" smtClean="0">
+              <a:rPr lang="ko-KR" altLang="en-US" dirty="0">
                 <a:latin typeface="+mn-ea"/>
               </a:rPr>
               <a:t>클래스 제작</a:t>
@@ -5749,31 +5653,31 @@
           <a:p>
             <a:pPr algn="ctr"/>
             <a:r>
-              <a:rPr lang="en-US" altLang="ko-KR" dirty="0" smtClean="0">
+              <a:rPr lang="en-US" altLang="ko-KR" dirty="0">
                 <a:latin typeface="+mn-ea"/>
               </a:rPr>
               <a:t>@</a:t>
             </a:r>
             <a:r>
-              <a:rPr lang="en-US" altLang="ko-KR" dirty="0" err="1" smtClean="0">
+              <a:rPr lang="en-US" altLang="ko-KR" dirty="0" err="1">
                 <a:latin typeface="+mn-ea"/>
               </a:rPr>
               <a:t>WebInitParam</a:t>
             </a:r>
             <a:r>
-              <a:rPr lang="ko-KR" altLang="en-US" dirty="0" smtClean="0">
+              <a:rPr lang="ko-KR" altLang="en-US" dirty="0">
                 <a:latin typeface="+mn-ea"/>
               </a:rPr>
               <a:t>에 초기화 </a:t>
             </a:r>
             <a:r>
-              <a:rPr lang="ko-KR" altLang="en-US" dirty="0" err="1" smtClean="0">
+              <a:rPr lang="ko-KR" altLang="en-US" dirty="0" err="1">
                 <a:latin typeface="+mn-ea"/>
               </a:rPr>
               <a:t>파라미터</a:t>
             </a:r>
             <a:r>
-              <a:rPr lang="ko-KR" altLang="en-US" dirty="0" smtClean="0">
+              <a:rPr lang="ko-KR" altLang="en-US" dirty="0">
                 <a:latin typeface="+mn-ea"/>
               </a:rPr>
               <a:t> 기술</a:t>
@@ -5819,37 +5723,37 @@
           <a:p>
             <a:pPr algn="ctr"/>
             <a:r>
-              <a:rPr lang="en-US" altLang="ko-KR" dirty="0" err="1" smtClean="0">
+              <a:rPr lang="en-US" altLang="ko-KR" dirty="0" err="1">
                 <a:latin typeface="+mn-ea"/>
               </a:rPr>
               <a:t>ServletConfig</a:t>
             </a:r>
             <a:r>
-              <a:rPr lang="en-US" altLang="ko-KR" dirty="0" smtClean="0">
+              <a:rPr lang="en-US" altLang="ko-KR" dirty="0">
                 <a:latin typeface="+mn-ea"/>
               </a:rPr>
               <a:t> </a:t>
             </a:r>
             <a:r>
-              <a:rPr lang="ko-KR" altLang="en-US" dirty="0" err="1" smtClean="0">
+              <a:rPr lang="ko-KR" altLang="en-US" dirty="0" err="1">
                 <a:latin typeface="+mn-ea"/>
               </a:rPr>
               <a:t>메소드</a:t>
             </a:r>
             <a:r>
-              <a:rPr lang="ko-KR" altLang="en-US" dirty="0" smtClean="0">
+              <a:rPr lang="ko-KR" altLang="en-US" dirty="0">
                 <a:latin typeface="+mn-ea"/>
               </a:rPr>
               <a:t> 이용해서</a:t>
             </a:r>
-            <a:endParaRPr lang="en-US" altLang="ko-KR" dirty="0" smtClean="0">
+            <a:endParaRPr lang="en-US" altLang="ko-KR" dirty="0">
               <a:latin typeface="+mn-ea"/>
             </a:endParaRPr>
           </a:p>
           <a:p>
             <a:pPr algn="ctr"/>
             <a:r>
-              <a:rPr lang="ko-KR" altLang="en-US" dirty="0" smtClean="0">
+              <a:rPr lang="ko-KR" altLang="en-US" dirty="0">
                 <a:latin typeface="+mn-ea"/>
               </a:rPr>
               <a:t>데이터 불러오기</a:t>
@@ -6159,50 +6063,49 @@
           <a:lstStyle/>
           <a:p>
             <a:r>
-              <a:rPr lang="en-US" altLang="ko-KR" dirty="0" smtClean="0"/>
+              <a:rPr lang="en-US" altLang="ko-KR" dirty="0"/>
               <a:t>Eclipse</a:t>
             </a:r>
             <a:r>
-              <a:rPr lang="ko-KR" altLang="en-US" dirty="0" smtClean="0"/>
+              <a:rPr lang="ko-KR" altLang="en-US" dirty="0"/>
               <a:t>에서 </a:t>
             </a:r>
             <a:r>
-              <a:rPr lang="en-US" altLang="ko-KR" dirty="0" smtClean="0"/>
+              <a:rPr lang="en-US" altLang="ko-KR" dirty="0"/>
               <a:t>servlet</a:t>
             </a:r>
             <a:r>
-              <a:rPr lang="ko-KR" altLang="en-US" dirty="0" smtClean="0"/>
+              <a:rPr lang="ko-KR" altLang="en-US" dirty="0"/>
               <a:t>파일 </a:t>
             </a:r>
             <a:r>
-              <a:rPr lang="ko-KR" altLang="en-US" dirty="0" err="1" smtClean="0"/>
+              <a:rPr lang="ko-KR" altLang="en-US" dirty="0" err="1"/>
               <a:t>만들시</a:t>
             </a:r>
             <a:r>
-              <a:rPr lang="ko-KR" altLang="en-US" dirty="0" smtClean="0"/>
+              <a:rPr lang="ko-KR" altLang="en-US" dirty="0"/>
               <a:t> </a:t>
             </a:r>
             <a:r>
-              <a:rPr lang="en-US" altLang="ko-KR" dirty="0" err="1" smtClean="0"/>
+              <a:rPr lang="en-US" altLang="ko-KR" dirty="0" err="1"/>
               <a:t>url</a:t>
             </a:r>
             <a:r>
-              <a:rPr lang="en-US" altLang="ko-KR" dirty="0" smtClean="0"/>
+              <a:rPr lang="en-US" altLang="ko-KR" dirty="0"/>
               <a:t>-pattern</a:t>
             </a:r>
             <a:r>
-              <a:rPr lang="ko-KR" altLang="en-US" dirty="0" smtClean="0"/>
+              <a:rPr lang="ko-KR" altLang="en-US" dirty="0"/>
               <a:t>과 </a:t>
             </a:r>
             <a:r>
-              <a:rPr lang="ko-KR" altLang="en-US" dirty="0" err="1" smtClean="0"/>
+              <a:rPr lang="ko-KR" altLang="en-US" dirty="0" err="1"/>
               <a:t>파라메터</a:t>
             </a:r>
             <a:r>
-              <a:rPr lang="ko-KR" altLang="en-US" dirty="0" smtClean="0"/>
+              <a:rPr lang="ko-KR" altLang="en-US" dirty="0"/>
               <a:t> 초기값 설정 창을 이용하면 편함</a:t>
             </a:r>
-            <a:endParaRPr lang="ko-KR" altLang="en-US" dirty="0"/>
           </a:p>
         </p:txBody>
       </p:sp>
@@ -6216,13 +6119,6 @@
   <p:clrMapOvr>
     <a:masterClrMapping/>
   </p:clrMapOvr>
-  <p:timing>
-    <p:tnLst>
-      <p:par>
-        <p:cTn id="1" dur="indefinite" restart="never" nodeType="tmRoot"/>
-      </p:par>
-    </p:tnLst>
-  </p:timing>
 </p:sld>
 </file>
 
@@ -6314,7 +6210,7 @@
           <a:lstStyle/>
           <a:p>
             <a:r>
-              <a:rPr lang="en-US" altLang="ko-KR" sz="1600" b="1" kern="1200" dirty="0" smtClean="0">
+              <a:rPr lang="en-US" altLang="ko-KR" sz="1600" b="1" kern="1200" dirty="0">
                 <a:solidFill>
                   <a:schemeClr val="tx1"/>
                 </a:solidFill>
@@ -6325,7 +6221,7 @@
               <a:t>8-2.</a:t>
             </a:r>
             <a:r>
-              <a:rPr lang="en-US" altLang="ko-KR" sz="1600" b="1" kern="1200" baseline="0" dirty="0" smtClean="0">
+              <a:rPr lang="en-US" altLang="ko-KR" sz="1600" b="1" kern="1200" baseline="0" dirty="0">
                 <a:solidFill>
                   <a:schemeClr val="tx1"/>
                 </a:solidFill>
@@ -6336,49 +6232,37 @@
               <a:t> </a:t>
             </a:r>
             <a:r>
-              <a:rPr lang="ko-KR" altLang="en-US" sz="1600" b="1" dirty="0" smtClean="0">
-                <a:latin typeface="+mn-ea"/>
-              </a:rPr>
-              <a:t>데이터 </a:t>
-            </a:r>
-            <a:r>
               <a:rPr lang="ko-KR" altLang="en-US" sz="1600" b="1" dirty="0">
                 <a:latin typeface="+mn-ea"/>
               </a:rPr>
-              <a:t>공유 </a:t>
+              <a:t>데이터 공유 </a:t>
             </a:r>
             <a:r>
               <a:rPr lang="en-US" altLang="ko-KR" sz="1600" b="1">
                 <a:latin typeface="+mn-ea"/>
               </a:rPr>
-              <a:t>: </a:t>
-            </a:r>
-            <a:r>
-              <a:rPr lang="en-US" altLang="ko-KR" sz="1600" b="1" smtClean="0">
-                <a:latin typeface="+mn-ea"/>
-              </a:rPr>
-              <a:t>ServletContext (</a:t>
-            </a:r>
-            <a:r>
-              <a:rPr lang="ko-KR" altLang="en-US" sz="1600" b="1" smtClean="0">
+              <a:t>: ServletContext (</a:t>
+            </a:r>
+            <a:r>
+              <a:rPr lang="ko-KR" altLang="en-US" sz="1600" b="1">
                 <a:latin typeface="+mn-ea"/>
               </a:rPr>
               <a:t>내 </a:t>
             </a:r>
             <a:r>
-              <a:rPr lang="en-US" altLang="ko-KR" sz="1600" b="1" smtClean="0">
+              <a:rPr lang="en-US" altLang="ko-KR" sz="1600" b="1">
                 <a:latin typeface="+mn-ea"/>
               </a:rPr>
               <a:t>WAS</a:t>
             </a:r>
             <a:r>
-              <a:rPr lang="ko-KR" altLang="en-US" sz="1600" b="1" smtClean="0">
+              <a:rPr lang="ko-KR" altLang="en-US" sz="1600" b="1">
                 <a:latin typeface="+mn-ea"/>
               </a:rPr>
               <a:t>의 모든 서브렛이 공통으로 사용</a:t>
             </a:r>
             <a:r>
-              <a:rPr lang="en-US" altLang="ko-KR" sz="1600" b="1" smtClean="0">
+              <a:rPr lang="en-US" altLang="ko-KR" sz="1600" b="1">
                 <a:latin typeface="+mn-ea"/>
               </a:rPr>
               <a:t>)</a:t>
@@ -6475,61 +6359,61 @@
           <a:lstStyle/>
           <a:p>
             <a:r>
-              <a:rPr lang="ko-KR" altLang="en-US" sz="1100" dirty="0" smtClean="0">
+              <a:rPr lang="ko-KR" altLang="en-US" sz="1100" dirty="0">
                 <a:latin typeface="+mn-ea"/>
               </a:rPr>
               <a:t>여러 </a:t>
             </a:r>
             <a:r>
-              <a:rPr lang="en-US" altLang="ko-KR" sz="1100" dirty="0" smtClean="0">
+              <a:rPr lang="en-US" altLang="ko-KR" sz="1100" dirty="0">
                 <a:latin typeface="+mn-ea"/>
               </a:rPr>
               <a:t>Servlet</a:t>
             </a:r>
             <a:r>
-              <a:rPr lang="ko-KR" altLang="en-US" sz="1100" dirty="0" smtClean="0">
+              <a:rPr lang="ko-KR" altLang="en-US" sz="1100" dirty="0">
                 <a:latin typeface="+mn-ea"/>
               </a:rPr>
               <a:t>에서 특정 데이터를 공유해야 할 경우 </a:t>
             </a:r>
             <a:r>
-              <a:rPr lang="en-US" altLang="ko-KR" sz="1100" dirty="0" smtClean="0">
+              <a:rPr lang="en-US" altLang="ko-KR" sz="1100" dirty="0">
                 <a:latin typeface="+mn-ea"/>
               </a:rPr>
               <a:t>context parameter</a:t>
             </a:r>
             <a:r>
-              <a:rPr lang="ko-KR" altLang="en-US" sz="1100" dirty="0" smtClean="0">
+              <a:rPr lang="ko-KR" altLang="en-US" sz="1100" dirty="0">
                 <a:latin typeface="+mn-ea"/>
               </a:rPr>
               <a:t>를 이용해서 </a:t>
             </a:r>
             <a:r>
-              <a:rPr lang="en-US" altLang="ko-KR" sz="1100" dirty="0" smtClean="0">
+              <a:rPr lang="en-US" altLang="ko-KR" sz="1100" dirty="0">
                 <a:latin typeface="+mn-ea"/>
               </a:rPr>
               <a:t>web.xml</a:t>
             </a:r>
             <a:r>
-              <a:rPr lang="ko-KR" altLang="en-US" sz="1100" dirty="0" smtClean="0">
+              <a:rPr lang="ko-KR" altLang="en-US" sz="1100" dirty="0">
                 <a:latin typeface="+mn-ea"/>
               </a:rPr>
               <a:t>에 데이터를 기술하고</a:t>
             </a:r>
             <a:r>
-              <a:rPr lang="en-US" altLang="ko-KR" sz="1100" dirty="0" smtClean="0">
+              <a:rPr lang="en-US" altLang="ko-KR" sz="1100" dirty="0">
                 <a:latin typeface="+mn-ea"/>
               </a:rPr>
               <a:t>, Servlet</a:t>
             </a:r>
             <a:r>
-              <a:rPr lang="ko-KR" altLang="en-US" sz="1100" dirty="0" smtClean="0">
+              <a:rPr lang="ko-KR" altLang="en-US" sz="1100" dirty="0">
                 <a:latin typeface="+mn-ea"/>
               </a:rPr>
               <a:t>에서 공유하면서 사용 할 수 있습니다</a:t>
             </a:r>
             <a:r>
-              <a:rPr lang="en-US" altLang="ko-KR" sz="1100" dirty="0" smtClean="0">
+              <a:rPr lang="en-US" altLang="ko-KR" sz="1100" dirty="0">
                 <a:latin typeface="+mn-ea"/>
               </a:rPr>
               <a:t>.</a:t>
@@ -6537,20 +6421,11 @@
           </a:p>
           <a:p>
             <a:r>
-              <a:rPr lang="en-US" altLang="ko-KR" sz="1100" dirty="0" smtClean="0">
-                <a:latin typeface="+mn-ea"/>
-              </a:rPr>
-              <a:t>(jsp_8_2_ex1_contextparamex</a:t>
-            </a:r>
-            <a:r>
               <a:rPr lang="en-US" altLang="ko-KR" sz="1100" dirty="0">
                 <a:latin typeface="+mn-ea"/>
               </a:rPr>
-              <a:t>)</a:t>
-            </a:r>
-            <a:endParaRPr lang="en-US" altLang="ko-KR" sz="1100" dirty="0" smtClean="0">
-              <a:latin typeface="+mn-ea"/>
-            </a:endParaRPr>
+              <a:t>(jsp_8_2_ex1_contextparamex)</a:t>
+            </a:r>
           </a:p>
         </p:txBody>
       </p:sp>
@@ -6577,13 +6452,13 @@
           <a:lstStyle/>
           <a:p>
             <a:r>
-              <a:rPr lang="en-US" altLang="ko-KR" sz="1100" dirty="0" smtClean="0">
+              <a:rPr lang="en-US" altLang="ko-KR" sz="1100" dirty="0">
                 <a:latin typeface="+mn-ea"/>
               </a:rPr>
               <a:t>web.xml</a:t>
             </a:r>
             <a:r>
-              <a:rPr lang="ko-KR" altLang="en-US" sz="1100" dirty="0" smtClean="0">
+              <a:rPr lang="ko-KR" altLang="en-US" sz="1100" dirty="0">
                 <a:latin typeface="+mn-ea"/>
               </a:rPr>
               <a:t>파일에</a:t>
@@ -6592,21 +6467,15 @@
               <a:rPr lang="en-US" altLang="ko-KR" sz="1100" dirty="0">
                 <a:latin typeface="+mn-ea"/>
               </a:rPr>
-              <a:t> </a:t>
-            </a:r>
-            <a:r>
-              <a:rPr lang="en-US" altLang="ko-KR" sz="1100" dirty="0" smtClean="0">
-                <a:latin typeface="+mn-ea"/>
-              </a:rPr>
-              <a:t>context parameter</a:t>
-            </a:r>
-            <a:r>
-              <a:rPr lang="ko-KR" altLang="en-US" sz="1100" dirty="0" smtClean="0">
+              <a:t> context parameter</a:t>
+            </a:r>
+            <a:r>
+              <a:rPr lang="ko-KR" altLang="en-US" sz="1100" dirty="0">
                 <a:latin typeface="+mn-ea"/>
               </a:rPr>
               <a:t> 기술</a:t>
             </a:r>
-            <a:endParaRPr lang="en-US" altLang="ko-KR" sz="1100" dirty="0" smtClean="0">
+            <a:endParaRPr lang="en-US" altLang="ko-KR" sz="1100" dirty="0">
               <a:latin typeface="+mn-ea"/>
             </a:endParaRPr>
           </a:p>
@@ -6687,13 +6556,13 @@
           <a:p>
             <a:pPr algn="ctr"/>
             <a:r>
-              <a:rPr lang="en-US" altLang="ko-KR" dirty="0" smtClean="0">
+              <a:rPr lang="en-US" altLang="ko-KR" dirty="0">
                 <a:latin typeface="+mn-ea"/>
               </a:rPr>
               <a:t>Servlet </a:t>
             </a:r>
             <a:r>
-              <a:rPr lang="ko-KR" altLang="en-US" dirty="0" smtClean="0">
+              <a:rPr lang="ko-KR" altLang="en-US" dirty="0">
                 <a:latin typeface="+mn-ea"/>
               </a:rPr>
               <a:t>클래스 제작</a:t>
@@ -6739,25 +6608,25 @@
           <a:p>
             <a:pPr algn="ctr"/>
             <a:r>
-              <a:rPr lang="en-US" altLang="ko-KR" dirty="0" smtClean="0">
+              <a:rPr lang="en-US" altLang="ko-KR" dirty="0">
                 <a:latin typeface="+mn-ea"/>
               </a:rPr>
               <a:t>web.xml</a:t>
             </a:r>
             <a:r>
-              <a:rPr lang="ko-KR" altLang="en-US" dirty="0" smtClean="0">
+              <a:rPr lang="ko-KR" altLang="en-US" dirty="0">
                 <a:latin typeface="+mn-ea"/>
               </a:rPr>
               <a:t>파일에 </a:t>
             </a:r>
             <a:r>
-              <a:rPr lang="en-US" altLang="ko-KR" dirty="0" smtClean="0">
+              <a:rPr lang="en-US" altLang="ko-KR" dirty="0">
                 <a:latin typeface="+mn-ea"/>
               </a:rPr>
               <a:t>context parameter </a:t>
             </a:r>
             <a:r>
-              <a:rPr lang="ko-KR" altLang="en-US" dirty="0" smtClean="0">
+              <a:rPr lang="ko-KR" altLang="en-US" dirty="0">
                 <a:latin typeface="+mn-ea"/>
               </a:rPr>
               <a:t>기술</a:t>
@@ -6803,37 +6672,37 @@
           <a:p>
             <a:pPr algn="ctr"/>
             <a:r>
-              <a:rPr lang="en-US" altLang="ko-KR" dirty="0" err="1" smtClean="0">
+              <a:rPr lang="en-US" altLang="ko-KR" dirty="0" err="1">
                 <a:latin typeface="+mn-ea"/>
               </a:rPr>
               <a:t>ServletContext</a:t>
             </a:r>
             <a:r>
-              <a:rPr lang="en-US" altLang="ko-KR" dirty="0" smtClean="0">
+              <a:rPr lang="en-US" altLang="ko-KR" dirty="0">
                 <a:latin typeface="+mn-ea"/>
               </a:rPr>
               <a:t> </a:t>
             </a:r>
             <a:r>
-              <a:rPr lang="ko-KR" altLang="en-US" dirty="0" err="1" smtClean="0">
+              <a:rPr lang="ko-KR" altLang="en-US" dirty="0" err="1">
                 <a:latin typeface="+mn-ea"/>
               </a:rPr>
               <a:t>메소드</a:t>
             </a:r>
             <a:r>
-              <a:rPr lang="ko-KR" altLang="en-US" dirty="0" smtClean="0">
+              <a:rPr lang="ko-KR" altLang="en-US" dirty="0">
                 <a:latin typeface="+mn-ea"/>
               </a:rPr>
               <a:t> 이용해서</a:t>
             </a:r>
-            <a:endParaRPr lang="en-US" altLang="ko-KR" dirty="0" smtClean="0">
+            <a:endParaRPr lang="en-US" altLang="ko-KR" dirty="0">
               <a:latin typeface="+mn-ea"/>
             </a:endParaRPr>
           </a:p>
           <a:p>
             <a:pPr algn="ctr"/>
             <a:r>
-              <a:rPr lang="ko-KR" altLang="en-US" dirty="0" smtClean="0">
+              <a:rPr lang="ko-KR" altLang="en-US" dirty="0">
                 <a:latin typeface="+mn-ea"/>
               </a:rPr>
               <a:t>데이터 불러오기</a:t>
@@ -7026,57 +6895,52 @@
           <a:lstStyle/>
           <a:p>
             <a:r>
-              <a:rPr lang="en-US" altLang="ko-KR" dirty="0" err="1" smtClean="0"/>
+              <a:rPr lang="en-US" altLang="ko-KR" dirty="0" err="1"/>
               <a:t>ServletConfig</a:t>
             </a:r>
             <a:r>
-              <a:rPr lang="ko-KR" altLang="en-US" dirty="0" smtClean="0"/>
+              <a:rPr lang="ko-KR" altLang="en-US" dirty="0"/>
               <a:t>의 </a:t>
             </a:r>
             <a:r>
-              <a:rPr lang="en-US" altLang="ko-KR" dirty="0" err="1" smtClean="0"/>
+              <a:rPr lang="en-US" altLang="ko-KR" dirty="0" err="1"/>
               <a:t>getServletContext</a:t>
             </a:r>
             <a:r>
-              <a:rPr lang="en-US" altLang="ko-KR" dirty="0" smtClean="0"/>
+              <a:rPr lang="en-US" altLang="ko-KR" dirty="0"/>
               <a:t>()</a:t>
             </a:r>
             <a:r>
-              <a:rPr lang="ko-KR" altLang="en-US" dirty="0" smtClean="0"/>
+              <a:rPr lang="ko-KR" altLang="en-US" dirty="0"/>
               <a:t>메서드로</a:t>
             </a:r>
-            <a:r>
-              <a:rPr lang="en-US" altLang="ko-KR" dirty="0" smtClean="0"/>
-              <a:t/>
-            </a:r>
             <a:br>
-              <a:rPr lang="en-US" altLang="ko-KR" dirty="0" smtClean="0"/>
+              <a:rPr lang="en-US" altLang="ko-KR" dirty="0"/>
             </a:br>
             <a:r>
-              <a:rPr lang="en-US" altLang="ko-KR" dirty="0" err="1" smtClean="0"/>
+              <a:rPr lang="en-US" altLang="ko-KR" dirty="0" err="1"/>
               <a:t>ServleContext</a:t>
             </a:r>
             <a:r>
-              <a:rPr lang="ko-KR" altLang="en-US" dirty="0" smtClean="0"/>
+              <a:rPr lang="ko-KR" altLang="en-US" dirty="0"/>
               <a:t>객체를 </a:t>
             </a:r>
             <a:r>
-              <a:rPr lang="ko-KR" altLang="en-US" dirty="0" err="1" smtClean="0"/>
+              <a:rPr lang="ko-KR" altLang="en-US" dirty="0" err="1"/>
               <a:t>얻은다음</a:t>
             </a:r>
             <a:r>
-              <a:rPr lang="ko-KR" altLang="en-US" dirty="0" smtClean="0"/>
+              <a:rPr lang="ko-KR" altLang="en-US" dirty="0"/>
               <a:t> </a:t>
             </a:r>
             <a:r>
-              <a:rPr lang="en-US" altLang="ko-KR" dirty="0" err="1" smtClean="0"/>
+              <a:rPr lang="en-US" altLang="ko-KR" dirty="0" err="1"/>
               <a:t>getInitParameter</a:t>
             </a:r>
             <a:r>
-              <a:rPr lang="ko-KR" altLang="en-US" dirty="0" smtClean="0"/>
+              <a:rPr lang="ko-KR" altLang="en-US" dirty="0"/>
               <a:t>메서드로 공동 데이터 값을 가져옴</a:t>
             </a:r>
-            <a:endParaRPr lang="ko-KR" altLang="en-US" dirty="0"/>
           </a:p>
         </p:txBody>
       </p:sp>
@@ -7090,13 +6954,6 @@
   <p:clrMapOvr>
     <a:masterClrMapping/>
   </p:clrMapOvr>
-  <p:timing>
-    <p:tnLst>
-      <p:par>
-        <p:cTn id="1" dur="indefinite" restart="never" nodeType="tmRoot"/>
-      </p:par>
-    </p:tnLst>
-  </p:timing>
 </p:sld>
 </file>
 
@@ -7164,7 +7021,7 @@
           <a:lstStyle/>
           <a:p>
             <a:r>
-              <a:rPr lang="en-US" altLang="ko-KR" sz="1600" b="1" kern="1200" dirty="0" smtClean="0">
+              <a:rPr lang="en-US" altLang="ko-KR" sz="1600" b="1" kern="1200" dirty="0">
                 <a:solidFill>
                   <a:schemeClr val="tx1"/>
                 </a:solidFill>
@@ -7175,7 +7032,7 @@
               <a:t>8-3.</a:t>
             </a:r>
             <a:r>
-              <a:rPr lang="en-US" altLang="ko-KR" sz="1600" b="1" kern="1200" baseline="0" dirty="0" smtClean="0">
+              <a:rPr lang="en-US" altLang="ko-KR" sz="1600" b="1" kern="1200" baseline="0" dirty="0">
                 <a:solidFill>
                   <a:schemeClr val="tx1"/>
                 </a:solidFill>
@@ -7301,91 +7158,91 @@
           <a:lstStyle/>
           <a:p>
             <a:r>
-              <a:rPr lang="ko-KR" altLang="en-US" sz="1100" dirty="0" err="1" smtClean="0">
+              <a:rPr lang="ko-KR" altLang="en-US" sz="1100" dirty="0" err="1">
                 <a:latin typeface="+mn-ea"/>
               </a:rPr>
               <a:t>웹어플리케이션의</a:t>
             </a:r>
             <a:r>
-              <a:rPr lang="ko-KR" altLang="en-US" sz="1100" dirty="0" smtClean="0">
+              <a:rPr lang="ko-KR" altLang="en-US" sz="1100" dirty="0">
                 <a:latin typeface="+mn-ea"/>
               </a:rPr>
               <a:t> 생명주기</a:t>
             </a:r>
             <a:r>
-              <a:rPr lang="en-US" altLang="ko-KR" sz="1100" dirty="0" smtClean="0">
+              <a:rPr lang="en-US" altLang="ko-KR" sz="1100" dirty="0">
                 <a:latin typeface="+mn-ea"/>
               </a:rPr>
               <a:t>(</a:t>
             </a:r>
             <a:r>
-              <a:rPr lang="en-US" altLang="ko-KR" sz="1100" dirty="0" err="1" smtClean="0">
+              <a:rPr lang="en-US" altLang="ko-KR" sz="1100" dirty="0" err="1">
                 <a:latin typeface="+mn-ea"/>
               </a:rPr>
               <a:t>LifeCycle</a:t>
             </a:r>
             <a:r>
-              <a:rPr lang="en-US" altLang="ko-KR" sz="1100" dirty="0" smtClean="0">
+              <a:rPr lang="en-US" altLang="ko-KR" sz="1100" dirty="0">
                 <a:latin typeface="+mn-ea"/>
               </a:rPr>
               <a:t>)</a:t>
             </a:r>
             <a:r>
-              <a:rPr lang="ko-KR" altLang="en-US" sz="1100" dirty="0" smtClean="0">
+              <a:rPr lang="ko-KR" altLang="en-US" sz="1100" dirty="0">
                 <a:latin typeface="+mn-ea"/>
               </a:rPr>
               <a:t>를 감시하는 </a:t>
             </a:r>
             <a:r>
-              <a:rPr lang="ko-KR" altLang="en-US" sz="1100" dirty="0" err="1" smtClean="0">
+              <a:rPr lang="ko-KR" altLang="en-US" sz="1100" dirty="0" err="1">
                 <a:latin typeface="+mn-ea"/>
               </a:rPr>
               <a:t>리스너</a:t>
             </a:r>
             <a:r>
-              <a:rPr lang="en-US" altLang="ko-KR" sz="1100" dirty="0" smtClean="0">
+              <a:rPr lang="en-US" altLang="ko-KR" sz="1100" dirty="0">
                 <a:latin typeface="+mn-ea"/>
               </a:rPr>
               <a:t>(Listener)</a:t>
             </a:r>
             <a:r>
-              <a:rPr lang="ko-KR" altLang="en-US" sz="1100" dirty="0" smtClean="0">
+              <a:rPr lang="ko-KR" altLang="en-US" sz="1100" dirty="0">
                 <a:latin typeface="+mn-ea"/>
               </a:rPr>
               <a:t>가 있습니다</a:t>
             </a:r>
             <a:r>
-              <a:rPr lang="en-US" altLang="ko-KR" sz="1100" dirty="0" smtClean="0">
+              <a:rPr lang="en-US" altLang="ko-KR" sz="1100" dirty="0">
                 <a:latin typeface="+mn-ea"/>
               </a:rPr>
               <a:t>. </a:t>
             </a:r>
             <a:r>
-              <a:rPr lang="ko-KR" altLang="en-US" sz="1100" dirty="0" smtClean="0">
-                <a:latin typeface="+mn-ea"/>
-              </a:rPr>
-              <a:t>바로 </a:t>
-            </a:r>
-            <a:r>
-              <a:rPr lang="en-US" altLang="ko-KR" sz="1100" dirty="0" err="1" smtClean="0">
+              <a:rPr lang="ko-KR" altLang="en-US" sz="1100" dirty="0">
+                <a:latin typeface="+mn-ea"/>
+              </a:rPr>
+              <a:t>바로 인터페이스 </a:t>
+            </a:r>
+            <a:r>
+              <a:rPr lang="en-US" altLang="ko-KR" sz="1100" dirty="0" err="1">
                 <a:latin typeface="+mn-ea"/>
               </a:rPr>
               <a:t>ServletContextListener</a:t>
             </a:r>
             <a:r>
-              <a:rPr lang="en-US" altLang="ko-KR" sz="1100" dirty="0" smtClean="0">
+              <a:rPr lang="en-US" altLang="ko-KR" sz="1100" dirty="0">
                 <a:latin typeface="+mn-ea"/>
               </a:rPr>
               <a:t> </a:t>
             </a:r>
             <a:r>
-              <a:rPr lang="ko-KR" altLang="en-US" sz="1100" dirty="0" smtClean="0">
+              <a:rPr lang="ko-KR" altLang="en-US" sz="1100" dirty="0">
                 <a:latin typeface="+mn-ea"/>
               </a:rPr>
               <a:t>입니다</a:t>
             </a:r>
             <a:r>
-              <a:rPr lang="en-US" altLang="ko-KR" sz="1100" dirty="0" smtClean="0">
+              <a:rPr lang="en-US" altLang="ko-KR" sz="1100" dirty="0">
                 <a:latin typeface="+mn-ea"/>
               </a:rPr>
               <a:t>.</a:t>
@@ -7393,55 +7250,55 @@
           </a:p>
           <a:p>
             <a:r>
-              <a:rPr lang="ko-KR" altLang="en-US" sz="1100" dirty="0" err="1" smtClean="0">
+              <a:rPr lang="ko-KR" altLang="en-US" sz="1100" dirty="0" err="1">
                 <a:latin typeface="+mn-ea"/>
               </a:rPr>
               <a:t>리스너의</a:t>
             </a:r>
             <a:r>
-              <a:rPr lang="ko-KR" altLang="en-US" sz="1100" dirty="0" smtClean="0">
+              <a:rPr lang="ko-KR" altLang="en-US" sz="1100" dirty="0">
                 <a:latin typeface="+mn-ea"/>
               </a:rPr>
               <a:t> 해당 </a:t>
             </a:r>
             <a:r>
-              <a:rPr lang="ko-KR" altLang="en-US" sz="1100" dirty="0" err="1" smtClean="0">
+              <a:rPr lang="ko-KR" altLang="en-US" sz="1100" dirty="0" err="1">
                 <a:latin typeface="+mn-ea"/>
               </a:rPr>
               <a:t>메소드가</a:t>
             </a:r>
             <a:r>
-              <a:rPr lang="ko-KR" altLang="en-US" sz="1100" dirty="0" smtClean="0">
+              <a:rPr lang="ko-KR" altLang="en-US" sz="1100" dirty="0">
                 <a:latin typeface="+mn-ea"/>
               </a:rPr>
               <a:t> 웹 어플리케이션의 시작과 종료 시 호출 됩니다</a:t>
             </a:r>
             <a:r>
-              <a:rPr lang="en-US" altLang="ko-KR" sz="1100" dirty="0" smtClean="0">
+              <a:rPr lang="en-US" altLang="ko-KR" sz="1100" dirty="0">
                 <a:latin typeface="+mn-ea"/>
               </a:rPr>
               <a:t>.(</a:t>
             </a:r>
             <a:r>
-              <a:rPr lang="en-US" altLang="ko-KR" sz="1100" dirty="0" err="1" smtClean="0">
+              <a:rPr lang="en-US" altLang="ko-KR" sz="1100" dirty="0" err="1">
                 <a:latin typeface="+mn-ea"/>
               </a:rPr>
               <a:t>contextInitialized</a:t>
             </a:r>
             <a:r>
-              <a:rPr lang="en-US" altLang="ko-KR" sz="1100" dirty="0" smtClean="0">
+              <a:rPr lang="en-US" altLang="ko-KR" sz="1100" dirty="0">
                 <a:latin typeface="+mn-ea"/>
               </a:rPr>
               <a:t>(), </a:t>
             </a:r>
             <a:r>
-              <a:rPr lang="en-US" altLang="ko-KR" sz="1100" dirty="0" err="1" smtClean="0">
+              <a:rPr lang="en-US" altLang="ko-KR" sz="1100" dirty="0" err="1">
                 <a:latin typeface="+mn-ea"/>
               </a:rPr>
               <a:t>contextDestroyed</a:t>
             </a:r>
             <a:r>
-              <a:rPr lang="en-US" altLang="ko-KR" sz="1100" dirty="0" smtClean="0">
+              <a:rPr lang="en-US" altLang="ko-KR" sz="1100" dirty="0">
                 <a:latin typeface="+mn-ea"/>
               </a:rPr>
               <a:t>())</a:t>
@@ -7449,20 +7306,11 @@
           </a:p>
           <a:p>
             <a:r>
-              <a:rPr lang="en-US" altLang="ko-KR" sz="1100" dirty="0" smtClean="0">
-                <a:latin typeface="+mn-ea"/>
-              </a:rPr>
-              <a:t>(jsp_8_2_ex1_contextparamex</a:t>
-            </a:r>
-            <a:r>
               <a:rPr lang="en-US" altLang="ko-KR" sz="1100" dirty="0">
                 <a:latin typeface="+mn-ea"/>
               </a:rPr>
-              <a:t>)</a:t>
-            </a:r>
-            <a:endParaRPr lang="en-US" altLang="ko-KR" sz="1100" dirty="0" smtClean="0">
-              <a:latin typeface="+mn-ea"/>
-            </a:endParaRPr>
+              <a:t>(jsp_8_2_ex1_contextparamex)</a:t>
+            </a:r>
           </a:p>
         </p:txBody>
       </p:sp>
@@ -7489,13 +7337,13 @@
           <a:lstStyle/>
           <a:p>
             <a:r>
-              <a:rPr lang="en-US" altLang="ko-KR" sz="1100" dirty="0" smtClean="0">
+              <a:rPr lang="en-US" altLang="ko-KR" sz="1100" dirty="0">
                 <a:latin typeface="+mn-ea"/>
               </a:rPr>
               <a:t>web.xml</a:t>
             </a:r>
             <a:r>
-              <a:rPr lang="ko-KR" altLang="en-US" sz="1100" dirty="0" smtClean="0">
+              <a:rPr lang="ko-KR" altLang="en-US" sz="1100" dirty="0">
                 <a:latin typeface="+mn-ea"/>
               </a:rPr>
               <a:t>파일에</a:t>
@@ -7507,18 +7355,18 @@
               <a:t> </a:t>
             </a:r>
             <a:r>
-              <a:rPr lang="ko-KR" altLang="en-US" sz="1100" dirty="0" err="1" smtClean="0">
+              <a:rPr lang="ko-KR" altLang="en-US" sz="1100" dirty="0" err="1">
                 <a:latin typeface="+mn-ea"/>
               </a:rPr>
               <a:t>리스너</a:t>
             </a:r>
             <a:r>
-              <a:rPr lang="ko-KR" altLang="en-US" sz="1100" dirty="0" smtClean="0">
+              <a:rPr lang="ko-KR" altLang="en-US" sz="1100" dirty="0">
                 <a:latin typeface="+mn-ea"/>
               </a:rPr>
               <a:t> 클래스 기술</a:t>
             </a:r>
-            <a:endParaRPr lang="en-US" altLang="ko-KR" sz="1100" dirty="0" smtClean="0">
+            <a:endParaRPr lang="en-US" altLang="ko-KR" sz="1100" dirty="0">
               <a:latin typeface="+mn-ea"/>
             </a:endParaRPr>
           </a:p>
@@ -7599,13 +7447,13 @@
           <a:p>
             <a:pPr algn="ctr"/>
             <a:r>
-              <a:rPr lang="ko-KR" altLang="en-US" dirty="0" err="1" smtClean="0">
+              <a:rPr lang="ko-KR" altLang="en-US" dirty="0" err="1">
                 <a:latin typeface="+mn-ea"/>
               </a:rPr>
               <a:t>리스너</a:t>
             </a:r>
             <a:r>
-              <a:rPr lang="ko-KR" altLang="en-US" dirty="0" smtClean="0">
+              <a:rPr lang="ko-KR" altLang="en-US" dirty="0">
                 <a:latin typeface="+mn-ea"/>
               </a:rPr>
               <a:t> 클래스 제작</a:t>
@@ -7651,25 +7499,25 @@
           <a:p>
             <a:pPr algn="ctr"/>
             <a:r>
-              <a:rPr lang="en-US" altLang="ko-KR" dirty="0" smtClean="0">
+              <a:rPr lang="en-US" altLang="ko-KR" dirty="0">
                 <a:latin typeface="+mn-ea"/>
               </a:rPr>
               <a:t>web.xml</a:t>
             </a:r>
             <a:r>
-              <a:rPr lang="ko-KR" altLang="en-US" dirty="0" smtClean="0">
+              <a:rPr lang="ko-KR" altLang="en-US" dirty="0">
                 <a:latin typeface="+mn-ea"/>
               </a:rPr>
               <a:t>파일에 </a:t>
             </a:r>
             <a:r>
-              <a:rPr lang="ko-KR" altLang="en-US" dirty="0" err="1" smtClean="0">
+              <a:rPr lang="ko-KR" altLang="en-US" dirty="0" err="1">
                 <a:latin typeface="+mn-ea"/>
               </a:rPr>
               <a:t>리스너</a:t>
             </a:r>
             <a:r>
-              <a:rPr lang="ko-KR" altLang="en-US" dirty="0" smtClean="0">
+              <a:rPr lang="ko-KR" altLang="en-US" dirty="0">
                 <a:latin typeface="+mn-ea"/>
               </a:rPr>
               <a:t> 클래스 기술</a:t>
@@ -7840,13 +7688,6 @@
   <p:clrMapOvr>
     <a:masterClrMapping/>
   </p:clrMapOvr>
-  <p:timing>
-    <p:tnLst>
-      <p:par>
-        <p:cTn id="1" dur="indefinite" restart="never" nodeType="tmRoot"/>
-      </p:par>
-    </p:tnLst>
-  </p:timing>
 </p:sld>
 </file>
 
@@ -7914,7 +7755,7 @@
           <a:lstStyle/>
           <a:p>
             <a:r>
-              <a:rPr lang="en-US" altLang="ko-KR" sz="1600" b="1" kern="1200" dirty="0" smtClean="0">
+              <a:rPr lang="en-US" altLang="ko-KR" sz="1600" b="1" kern="1200" dirty="0">
                 <a:solidFill>
                   <a:schemeClr val="tx1"/>
                 </a:solidFill>
@@ -7925,7 +7766,7 @@
               <a:t>8-3.</a:t>
             </a:r>
             <a:r>
-              <a:rPr lang="en-US" altLang="ko-KR" sz="1600" b="1" kern="1200" baseline="0" dirty="0" smtClean="0">
+              <a:rPr lang="en-US" altLang="ko-KR" sz="1600" b="1" kern="1200" baseline="0" dirty="0">
                 <a:solidFill>
                   <a:schemeClr val="tx1"/>
                 </a:solidFill>
@@ -8051,46 +7892,34 @@
           <a:lstStyle/>
           <a:p>
             <a:r>
-              <a:rPr lang="ko-KR" altLang="en-US" sz="1100" dirty="0" err="1" smtClean="0">
+              <a:rPr lang="ko-KR" altLang="en-US" sz="1100" dirty="0" err="1">
                 <a:latin typeface="+mn-ea"/>
               </a:rPr>
               <a:t>리스너</a:t>
             </a:r>
             <a:r>
-              <a:rPr lang="ko-KR" altLang="en-US" sz="1100" dirty="0" smtClean="0">
+              <a:rPr lang="ko-KR" altLang="en-US" sz="1100" dirty="0">
                 <a:latin typeface="+mn-ea"/>
               </a:rPr>
               <a:t> 클래스에 기술</a:t>
             </a:r>
             <a:r>
-              <a:rPr lang="en-US" altLang="ko-KR" sz="1100" dirty="0" smtClean="0">
+              <a:rPr lang="en-US" altLang="ko-KR" sz="1100" dirty="0">
                 <a:latin typeface="+mn-ea"/>
               </a:rPr>
               <a:t>(@</a:t>
             </a:r>
             <a:r>
-              <a:rPr lang="en-US" altLang="ko-KR" sz="1100" dirty="0" err="1" smtClean="0">
+              <a:rPr lang="en-US" altLang="ko-KR" sz="1100" dirty="0" err="1">
                 <a:latin typeface="+mn-ea"/>
               </a:rPr>
               <a:t>WebListener</a:t>
             </a:r>
             <a:r>
-              <a:rPr lang="en-US" altLang="ko-KR" sz="1100" dirty="0" smtClean="0">
-                <a:latin typeface="+mn-ea"/>
-              </a:rPr>
-              <a:t>) </a:t>
-            </a:r>
-            <a:r>
               <a:rPr lang="en-US" altLang="ko-KR" sz="1100" dirty="0">
                 <a:latin typeface="+mn-ea"/>
               </a:rPr>
-              <a:t>(jsp_8_2_ex1_contextparamex</a:t>
-            </a:r>
-            <a:r>
-              <a:rPr lang="en-US" altLang="ko-KR" sz="1100" dirty="0" smtClean="0">
-                <a:latin typeface="+mn-ea"/>
-              </a:rPr>
-              <a:t>)</a:t>
+              <a:t>) (jsp_8_2_ex1_contextparamex)</a:t>
             </a:r>
           </a:p>
         </p:txBody>
@@ -8170,13 +7999,13 @@
           <a:p>
             <a:pPr algn="ctr"/>
             <a:r>
-              <a:rPr lang="ko-KR" altLang="en-US" dirty="0" err="1" smtClean="0">
+              <a:rPr lang="ko-KR" altLang="en-US" dirty="0" err="1">
                 <a:latin typeface="+mn-ea"/>
               </a:rPr>
               <a:t>리스너</a:t>
             </a:r>
             <a:r>
-              <a:rPr lang="ko-KR" altLang="en-US" dirty="0" smtClean="0">
+              <a:rPr lang="ko-KR" altLang="en-US" dirty="0">
                 <a:latin typeface="+mn-ea"/>
               </a:rPr>
               <a:t> 클래스 제작</a:t>
@@ -8222,25 +8051,25 @@
           <a:p>
             <a:pPr algn="ctr"/>
             <a:r>
-              <a:rPr lang="en-US" altLang="ko-KR" dirty="0" smtClean="0">
+              <a:rPr lang="en-US" altLang="ko-KR" dirty="0">
                 <a:latin typeface="+mn-ea"/>
               </a:rPr>
               <a:t>@</a:t>
             </a:r>
             <a:r>
-              <a:rPr lang="en-US" altLang="ko-KR" dirty="0" err="1" smtClean="0">
+              <a:rPr lang="en-US" altLang="ko-KR" dirty="0" err="1">
                 <a:latin typeface="+mn-ea"/>
               </a:rPr>
               <a:t>WebListener</a:t>
             </a:r>
             <a:r>
-              <a:rPr lang="en-US" altLang="ko-KR" dirty="0" smtClean="0">
+              <a:rPr lang="en-US" altLang="ko-KR" dirty="0">
                 <a:latin typeface="+mn-ea"/>
               </a:rPr>
               <a:t> </a:t>
             </a:r>
             <a:r>
-              <a:rPr lang="ko-KR" altLang="en-US" dirty="0" smtClean="0">
+              <a:rPr lang="ko-KR" altLang="en-US" dirty="0">
                 <a:latin typeface="+mn-ea"/>
               </a:rPr>
               <a:t>추가</a:t>
@@ -8341,13 +8170,6 @@
   <p:clrMapOvr>
     <a:masterClrMapping/>
   </p:clrMapOvr>
-  <p:timing>
-    <p:tnLst>
-      <p:par>
-        <p:cTn id="1" dur="indefinite" restart="never" nodeType="tmRoot"/>
-      </p:par>
-    </p:tnLst>
-  </p:timing>
 </p:sld>
 </file>
 
